--- a/Figures/Figure Log.pptx
+++ b/Figures/Figure Log.pptx
@@ -17,11 +17,20 @@
     <p:sldId id="265" r:id="rId11"/>
     <p:sldId id="268" r:id="rId12"/>
     <p:sldId id="270" r:id="rId13"/>
-    <p:sldId id="271" r:id="rId14"/>
-    <p:sldId id="272" r:id="rId15"/>
-    <p:sldId id="266" r:id="rId16"/>
-    <p:sldId id="273" r:id="rId17"/>
-    <p:sldId id="274" r:id="rId18"/>
+    <p:sldId id="276" r:id="rId14"/>
+    <p:sldId id="271" r:id="rId15"/>
+    <p:sldId id="272" r:id="rId16"/>
+    <p:sldId id="275" r:id="rId17"/>
+    <p:sldId id="278" r:id="rId18"/>
+    <p:sldId id="279" r:id="rId19"/>
+    <p:sldId id="277" r:id="rId20"/>
+    <p:sldId id="266" r:id="rId21"/>
+    <p:sldId id="274" r:id="rId22"/>
+    <p:sldId id="284" r:id="rId23"/>
+    <p:sldId id="282" r:id="rId24"/>
+    <p:sldId id="283" r:id="rId25"/>
+    <p:sldId id="280" r:id="rId26"/>
+    <p:sldId id="281" r:id="rId27"/>
   </p:sldIdLst>
   <p:sldSz cx="12192000" cy="6858000"/>
   <p:notesSz cx="6858000" cy="9144000"/>
@@ -4683,7 +4692,7 @@
           <a:p>
             <a:fld id="{E13F3F2A-D55A-4616-9766-A8DD61F0FA8A}" type="datetimeFigureOut">
               <a:rPr lang="en-US" smtClean="0"/>
-              <a:t>1/19/2023</a:t>
+              <a:t>3/21/2023</a:t>
             </a:fld>
             <a:endParaRPr lang="en-US"/>
           </a:p>
@@ -4881,7 +4890,7 @@
           <a:p>
             <a:fld id="{E13F3F2A-D55A-4616-9766-A8DD61F0FA8A}" type="datetimeFigureOut">
               <a:rPr lang="en-US" smtClean="0"/>
-              <a:t>1/19/2023</a:t>
+              <a:t>3/21/2023</a:t>
             </a:fld>
             <a:endParaRPr lang="en-US"/>
           </a:p>
@@ -5089,7 +5098,7 @@
           <a:p>
             <a:fld id="{E13F3F2A-D55A-4616-9766-A8DD61F0FA8A}" type="datetimeFigureOut">
               <a:rPr lang="en-US" smtClean="0"/>
-              <a:t>1/19/2023</a:t>
+              <a:t>3/21/2023</a:t>
             </a:fld>
             <a:endParaRPr lang="en-US"/>
           </a:p>
@@ -5287,7 +5296,7 @@
           <a:p>
             <a:fld id="{E13F3F2A-D55A-4616-9766-A8DD61F0FA8A}" type="datetimeFigureOut">
               <a:rPr lang="en-US" smtClean="0"/>
-              <a:t>1/19/2023</a:t>
+              <a:t>3/21/2023</a:t>
             </a:fld>
             <a:endParaRPr lang="en-US"/>
           </a:p>
@@ -5562,7 +5571,7 @@
           <a:p>
             <a:fld id="{E13F3F2A-D55A-4616-9766-A8DD61F0FA8A}" type="datetimeFigureOut">
               <a:rPr lang="en-US" smtClean="0"/>
-              <a:t>1/19/2023</a:t>
+              <a:t>3/21/2023</a:t>
             </a:fld>
             <a:endParaRPr lang="en-US"/>
           </a:p>
@@ -5827,7 +5836,7 @@
           <a:p>
             <a:fld id="{E13F3F2A-D55A-4616-9766-A8DD61F0FA8A}" type="datetimeFigureOut">
               <a:rPr lang="en-US" smtClean="0"/>
-              <a:t>1/19/2023</a:t>
+              <a:t>3/21/2023</a:t>
             </a:fld>
             <a:endParaRPr lang="en-US"/>
           </a:p>
@@ -6239,7 +6248,7 @@
           <a:p>
             <a:fld id="{E13F3F2A-D55A-4616-9766-A8DD61F0FA8A}" type="datetimeFigureOut">
               <a:rPr lang="en-US" smtClean="0"/>
-              <a:t>1/19/2023</a:t>
+              <a:t>3/21/2023</a:t>
             </a:fld>
             <a:endParaRPr lang="en-US"/>
           </a:p>
@@ -6380,7 +6389,7 @@
           <a:p>
             <a:fld id="{E13F3F2A-D55A-4616-9766-A8DD61F0FA8A}" type="datetimeFigureOut">
               <a:rPr lang="en-US" smtClean="0"/>
-              <a:t>1/19/2023</a:t>
+              <a:t>3/21/2023</a:t>
             </a:fld>
             <a:endParaRPr lang="en-US"/>
           </a:p>
@@ -6493,7 +6502,7 @@
           <a:p>
             <a:fld id="{E13F3F2A-D55A-4616-9766-A8DD61F0FA8A}" type="datetimeFigureOut">
               <a:rPr lang="en-US" smtClean="0"/>
-              <a:t>1/19/2023</a:t>
+              <a:t>3/21/2023</a:t>
             </a:fld>
             <a:endParaRPr lang="en-US"/>
           </a:p>
@@ -6804,7 +6813,7 @@
           <a:p>
             <a:fld id="{E13F3F2A-D55A-4616-9766-A8DD61F0FA8A}" type="datetimeFigureOut">
               <a:rPr lang="en-US" smtClean="0"/>
-              <a:t>1/19/2023</a:t>
+              <a:t>3/21/2023</a:t>
             </a:fld>
             <a:endParaRPr lang="en-US"/>
           </a:p>
@@ -7092,7 +7101,7 @@
           <a:p>
             <a:fld id="{E13F3F2A-D55A-4616-9766-A8DD61F0FA8A}" type="datetimeFigureOut">
               <a:rPr lang="en-US" smtClean="0"/>
-              <a:t>1/19/2023</a:t>
+              <a:t>3/21/2023</a:t>
             </a:fld>
             <a:endParaRPr lang="en-US"/>
           </a:p>
@@ -7333,7 +7342,7 @@
           <a:p>
             <a:fld id="{E13F3F2A-D55A-4616-9766-A8DD61F0FA8A}" type="datetimeFigureOut">
               <a:rPr lang="en-US" smtClean="0"/>
-              <a:t>1/19/2023</a:t>
+              <a:t>3/21/2023</a:t>
             </a:fld>
             <a:endParaRPr lang="en-US"/>
           </a:p>
@@ -11915,6 +11924,89 @@
           <a:chExt cx="0" cy="0"/>
         </a:xfrm>
       </p:grpSpPr>
+      <p:sp>
+        <p:nvSpPr>
+          <p:cNvPr id="2" name="Title 1">
+            <a:extLst>
+              <a:ext uri="{FF2B5EF4-FFF2-40B4-BE49-F238E27FC236}">
+                <a16:creationId xmlns:a16="http://schemas.microsoft.com/office/drawing/2014/main" id="{8277ED90-489F-24E1-B85D-B45B812BDA8A}"/>
+              </a:ext>
+            </a:extLst>
+          </p:cNvPr>
+          <p:cNvSpPr>
+            <a:spLocks noGrp="1"/>
+          </p:cNvSpPr>
+          <p:nvPr>
+            <p:ph type="title"/>
+          </p:nvPr>
+        </p:nvSpPr>
+        <p:spPr/>
+        <p:txBody>
+          <a:bodyPr/>
+          <a:lstStyle/>
+          <a:p>
+            <a:r>
+              <a:rPr lang="en-US" dirty="0"/>
+              <a:t>Summer 2022 LAI</a:t>
+            </a:r>
+          </a:p>
+        </p:txBody>
+      </p:sp>
+      <p:sp>
+        <p:nvSpPr>
+          <p:cNvPr id="3" name="Text Placeholder 2">
+            <a:extLst>
+              <a:ext uri="{FF2B5EF4-FFF2-40B4-BE49-F238E27FC236}">
+                <a16:creationId xmlns:a16="http://schemas.microsoft.com/office/drawing/2014/main" id="{03BF2F90-4215-B83E-0DCB-5ED803530DE6}"/>
+              </a:ext>
+            </a:extLst>
+          </p:cNvPr>
+          <p:cNvSpPr>
+            <a:spLocks noGrp="1"/>
+          </p:cNvSpPr>
+          <p:nvPr>
+            <p:ph type="body" idx="1"/>
+          </p:nvPr>
+        </p:nvSpPr>
+        <p:spPr/>
+        <p:txBody>
+          <a:bodyPr/>
+          <a:lstStyle/>
+          <a:p>
+            <a:endParaRPr lang="en-US"/>
+          </a:p>
+        </p:txBody>
+      </p:sp>
+    </p:spTree>
+    <p:extLst>
+      <p:ext uri="{BB962C8B-B14F-4D97-AF65-F5344CB8AC3E}">
+        <p14:creationId xmlns:p14="http://schemas.microsoft.com/office/powerpoint/2010/main" val="3187935896"/>
+      </p:ext>
+    </p:extLst>
+  </p:cSld>
+  <p:clrMapOvr>
+    <a:masterClrMapping/>
+  </p:clrMapOvr>
+</p:sld>
+</file>
+
+<file path=ppt/slides/slide14.xml><?xml version="1.0" encoding="utf-8"?>
+<p:sld xmlns:a="http://schemas.openxmlformats.org/drawingml/2006/main" xmlns:r="http://schemas.openxmlformats.org/officeDocument/2006/relationships" xmlns:p="http://schemas.openxmlformats.org/presentationml/2006/main">
+  <p:cSld>
+    <p:spTree>
+      <p:nvGrpSpPr>
+        <p:cNvPr id="1" name=""/>
+        <p:cNvGrpSpPr/>
+        <p:nvPr/>
+      </p:nvGrpSpPr>
+      <p:grpSpPr>
+        <a:xfrm>
+          <a:off x="0" y="0"/>
+          <a:ext cx="0" cy="0"/>
+          <a:chOff x="0" y="0"/>
+          <a:chExt cx="0" cy="0"/>
+        </a:xfrm>
+      </p:grpSpPr>
       <p:pic>
         <p:nvPicPr>
           <p:cNvPr id="3" name="Picture 2">
@@ -12010,7 +12102,7 @@
 </p:sld>
 </file>
 
-<file path=ppt/slides/slide14.xml><?xml version="1.0" encoding="utf-8"?>
+<file path=ppt/slides/slide15.xml><?xml version="1.0" encoding="utf-8"?>
 <p:sld xmlns:a="http://schemas.openxmlformats.org/drawingml/2006/main" xmlns:r="http://schemas.openxmlformats.org/officeDocument/2006/relationships" xmlns:p="http://schemas.openxmlformats.org/presentationml/2006/main">
   <p:cSld>
     <p:spTree>
@@ -12079,7 +12171,7 @@
         </p:blipFill>
         <p:spPr>
           <a:xfrm>
-            <a:off x="6096000" y="0"/>
+            <a:off x="6037943" y="0"/>
             <a:ext cx="4331369" cy="6858000"/>
           </a:xfrm>
           <a:prstGeom prst="rect">
@@ -12291,614 +12383,6 @@
 </p:sld>
 </file>
 
-<file path=ppt/slides/slide15.xml><?xml version="1.0" encoding="utf-8"?>
-<p:sld xmlns:a="http://schemas.openxmlformats.org/drawingml/2006/main" xmlns:r="http://schemas.openxmlformats.org/officeDocument/2006/relationships" xmlns:p="http://schemas.openxmlformats.org/presentationml/2006/main">
-  <p:cSld>
-    <p:bg>
-      <p:bgPr>
-        <a:solidFill>
-          <a:schemeClr val="bg1"/>
-        </a:solidFill>
-        <a:effectLst/>
-      </p:bgPr>
-    </p:bg>
-    <p:spTree>
-      <p:nvGrpSpPr>
-        <p:cNvPr id="1" name=""/>
-        <p:cNvGrpSpPr/>
-        <p:nvPr/>
-      </p:nvGrpSpPr>
-      <p:grpSpPr>
-        <a:xfrm>
-          <a:off x="0" y="0"/>
-          <a:ext cx="0" cy="0"/>
-          <a:chOff x="0" y="0"/>
-          <a:chExt cx="0" cy="0"/>
-        </a:xfrm>
-      </p:grpSpPr>
-      <p:pic>
-        <p:nvPicPr>
-          <p:cNvPr id="4" name="Picture 3">
-            <a:extLst>
-              <a:ext uri="{FF2B5EF4-FFF2-40B4-BE49-F238E27FC236}">
-                <a16:creationId xmlns:a16="http://schemas.microsoft.com/office/drawing/2014/main" id="{C9BEAFAB-A612-B884-2672-072FC31A6801}"/>
-              </a:ext>
-            </a:extLst>
-          </p:cNvPr>
-          <p:cNvPicPr>
-            <a:picLocks noChangeAspect="1"/>
-          </p:cNvPicPr>
-          <p:nvPr/>
-        </p:nvPicPr>
-        <p:blipFill>
-          <a:blip r:embed="rId2"/>
-          <a:stretch>
-            <a:fillRect/>
-          </a:stretch>
-        </p:blipFill>
-        <p:spPr>
-          <a:xfrm>
-            <a:off x="643470" y="1424781"/>
-            <a:ext cx="5291666" cy="4008436"/>
-          </a:xfrm>
-          <a:prstGeom prst="rect">
-            <a:avLst/>
-          </a:prstGeom>
-        </p:spPr>
-      </p:pic>
-      <p:pic>
-        <p:nvPicPr>
-          <p:cNvPr id="3" name="Picture 2">
-            <a:extLst>
-              <a:ext uri="{FF2B5EF4-FFF2-40B4-BE49-F238E27FC236}">
-                <a16:creationId xmlns:a16="http://schemas.microsoft.com/office/drawing/2014/main" id="{788DF367-E15E-CD96-5AAF-71F2873AFB95}"/>
-              </a:ext>
-            </a:extLst>
-          </p:cNvPr>
-          <p:cNvPicPr>
-            <a:picLocks noChangeAspect="1"/>
-          </p:cNvPicPr>
-          <p:nvPr/>
-        </p:nvPicPr>
-        <p:blipFill>
-          <a:blip r:embed="rId3"/>
-          <a:stretch>
-            <a:fillRect/>
-          </a:stretch>
-        </p:blipFill>
-        <p:spPr>
-          <a:xfrm>
-            <a:off x="6256865" y="1477698"/>
-            <a:ext cx="5291667" cy="3902603"/>
-          </a:xfrm>
-          <a:prstGeom prst="rect">
-            <a:avLst/>
-          </a:prstGeom>
-        </p:spPr>
-      </p:pic>
-      <mc:AlternateContent xmlns:mc="http://schemas.openxmlformats.org/markup-compatibility/2006" xmlns:p14="http://schemas.microsoft.com/office/powerpoint/2010/main">
-        <mc:Choice Requires="p14">
-          <p:contentPart p14:bwMode="auto" r:id="rId4">
-            <p14:nvContentPartPr>
-              <p14:cNvPr id="6" name="Ink 6">
-                <a:extLst>
-                  <a:ext uri="{FF2B5EF4-FFF2-40B4-BE49-F238E27FC236}">
-                    <a16:creationId xmlns:a16="http://schemas.microsoft.com/office/drawing/2014/main" id="{AB89C1D5-862B-96D2-31C3-BC9A0A2D222F}"/>
-                  </a:ext>
-                </a:extLst>
-              </p14:cNvPr>
-              <p14:cNvContentPartPr/>
-              <p14:nvPr/>
-            </p14:nvContentPartPr>
-            <p14:xfrm>
-              <a:off x="2688067" y="5757200"/>
-              <a:ext cx="430920" cy="247320"/>
-            </p14:xfrm>
-          </p:contentPart>
-        </mc:Choice>
-        <mc:Fallback xmlns="">
-          <p:pic>
-            <p:nvPicPr>
-              <p:cNvPr id="6" name="Ink 6">
-                <a:extLst>
-                  <a:ext uri="{FF2B5EF4-FFF2-40B4-BE49-F238E27FC236}">
-                    <a16:creationId xmlns:a16="http://schemas.microsoft.com/office/drawing/2014/main" id="{AB89C1D5-862B-96D2-31C3-BC9A0A2D222F}"/>
-                  </a:ext>
-                </a:extLst>
-              </p:cNvPr>
-              <p:cNvPicPr/>
-              <p:nvPr/>
-            </p:nvPicPr>
-            <p:blipFill>
-              <a:blip r:embed="rId5"/>
-              <a:stretch>
-                <a:fillRect/>
-              </a:stretch>
-            </p:blipFill>
-            <p:spPr>
-              <a:xfrm>
-                <a:off x="2672587" y="5742080"/>
-                <a:ext cx="461160" cy="277920"/>
-              </a:xfrm>
-              <a:prstGeom prst="rect">
-                <a:avLst/>
-              </a:prstGeom>
-            </p:spPr>
-          </p:pic>
-        </mc:Fallback>
-      </mc:AlternateContent>
-      <mc:AlternateContent xmlns:mc="http://schemas.openxmlformats.org/markup-compatibility/2006" xmlns:p14="http://schemas.microsoft.com/office/powerpoint/2010/main">
-        <mc:Choice Requires="p14">
-          <p:contentPart p14:bwMode="auto" r:id="rId6">
-            <p14:nvContentPartPr>
-              <p14:cNvPr id="9" name="Ink 9">
-                <a:extLst>
-                  <a:ext uri="{FF2B5EF4-FFF2-40B4-BE49-F238E27FC236}">
-                    <a16:creationId xmlns:a16="http://schemas.microsoft.com/office/drawing/2014/main" id="{D6D907CD-0368-A4C0-A9E5-F5280E193336}"/>
-                  </a:ext>
-                </a:extLst>
-              </p14:cNvPr>
-              <p14:cNvContentPartPr/>
-              <p14:nvPr/>
-            </p14:nvContentPartPr>
-            <p14:xfrm>
-              <a:off x="8367787" y="5693480"/>
-              <a:ext cx="437760" cy="219240"/>
-            </p14:xfrm>
-          </p:contentPart>
-        </mc:Choice>
-        <mc:Fallback xmlns="">
-          <p:pic>
-            <p:nvPicPr>
-              <p:cNvPr id="9" name="Ink 9">
-                <a:extLst>
-                  <a:ext uri="{FF2B5EF4-FFF2-40B4-BE49-F238E27FC236}">
-                    <a16:creationId xmlns:a16="http://schemas.microsoft.com/office/drawing/2014/main" id="{D6D907CD-0368-A4C0-A9E5-F5280E193336}"/>
-                  </a:ext>
-                </a:extLst>
-              </p:cNvPr>
-              <p:cNvPicPr/>
-              <p:nvPr/>
-            </p:nvPicPr>
-            <p:blipFill>
-              <a:blip r:embed="rId7"/>
-              <a:stretch>
-                <a:fillRect/>
-              </a:stretch>
-            </p:blipFill>
-            <p:spPr>
-              <a:xfrm>
-                <a:off x="8352307" y="5678360"/>
-                <a:ext cx="468360" cy="249480"/>
-              </a:xfrm>
-              <a:prstGeom prst="rect">
-                <a:avLst/>
-              </a:prstGeom>
-            </p:spPr>
-          </p:pic>
-        </mc:Fallback>
-      </mc:AlternateContent>
-      <mc:AlternateContent xmlns:mc="http://schemas.openxmlformats.org/markup-compatibility/2006" xmlns:p14="http://schemas.microsoft.com/office/powerpoint/2010/main">
-        <mc:Choice Requires="p14">
-          <p:contentPart p14:bwMode="auto" r:id="rId8">
-            <p14:nvContentPartPr>
-              <p14:cNvPr id="33" name="Ink 36">
-                <a:extLst>
-                  <a:ext uri="{FF2B5EF4-FFF2-40B4-BE49-F238E27FC236}">
-                    <a16:creationId xmlns:a16="http://schemas.microsoft.com/office/drawing/2014/main" id="{B374253D-BB6E-AA1D-0CB4-076BC359A91B}"/>
-                  </a:ext>
-                </a:extLst>
-              </p14:cNvPr>
-              <p14:cNvContentPartPr/>
-              <p14:nvPr/>
-            </p14:nvContentPartPr>
-            <p14:xfrm>
-              <a:off x="4691827" y="850400"/>
-              <a:ext cx="889200" cy="452160"/>
-            </p14:xfrm>
-          </p:contentPart>
-        </mc:Choice>
-        <mc:Fallback xmlns="">
-          <p:pic>
-            <p:nvPicPr>
-              <p:cNvPr id="33" name="Ink 36">
-                <a:extLst>
-                  <a:ext uri="{FF2B5EF4-FFF2-40B4-BE49-F238E27FC236}">
-                    <a16:creationId xmlns:a16="http://schemas.microsoft.com/office/drawing/2014/main" id="{B374253D-BB6E-AA1D-0CB4-076BC359A91B}"/>
-                  </a:ext>
-                </a:extLst>
-              </p:cNvPr>
-              <p:cNvPicPr/>
-              <p:nvPr/>
-            </p:nvPicPr>
-            <p:blipFill>
-              <a:blip r:embed="rId9"/>
-              <a:stretch>
-                <a:fillRect/>
-              </a:stretch>
-            </p:blipFill>
-            <p:spPr>
-              <a:xfrm>
-                <a:off x="4676347" y="835268"/>
-                <a:ext cx="919800" cy="482784"/>
-              </a:xfrm>
-              <a:prstGeom prst="rect">
-                <a:avLst/>
-              </a:prstGeom>
-            </p:spPr>
-          </p:pic>
-        </mc:Fallback>
-      </mc:AlternateContent>
-      <mc:AlternateContent xmlns:mc="http://schemas.openxmlformats.org/markup-compatibility/2006" xmlns:p14="http://schemas.microsoft.com/office/powerpoint/2010/main">
-        <mc:Choice Requires="p14">
-          <p:contentPart p14:bwMode="auto" r:id="rId10">
-            <p14:nvContentPartPr>
-              <p14:cNvPr id="34" name="Ink 36">
-                <a:extLst>
-                  <a:ext uri="{FF2B5EF4-FFF2-40B4-BE49-F238E27FC236}">
-                    <a16:creationId xmlns:a16="http://schemas.microsoft.com/office/drawing/2014/main" id="{0FD29FD4-B580-AB72-C656-738CF3EDB200}"/>
-                  </a:ext>
-                </a:extLst>
-              </p14:cNvPr>
-              <p14:cNvContentPartPr/>
-              <p14:nvPr/>
-            </p14:nvContentPartPr>
-            <p14:xfrm>
-              <a:off x="3739267" y="793880"/>
-              <a:ext cx="621360" cy="476280"/>
-            </p14:xfrm>
-          </p:contentPart>
-        </mc:Choice>
-        <mc:Fallback xmlns="">
-          <p:pic>
-            <p:nvPicPr>
-              <p:cNvPr id="34" name="Ink 36">
-                <a:extLst>
-                  <a:ext uri="{FF2B5EF4-FFF2-40B4-BE49-F238E27FC236}">
-                    <a16:creationId xmlns:a16="http://schemas.microsoft.com/office/drawing/2014/main" id="{0FD29FD4-B580-AB72-C656-738CF3EDB200}"/>
-                  </a:ext>
-                </a:extLst>
-              </p:cNvPr>
-              <p:cNvPicPr/>
-              <p:nvPr/>
-            </p:nvPicPr>
-            <p:blipFill>
-              <a:blip r:embed="rId11"/>
-              <a:stretch>
-                <a:fillRect/>
-              </a:stretch>
-            </p:blipFill>
-            <p:spPr>
-              <a:xfrm>
-                <a:off x="3724147" y="778760"/>
-                <a:ext cx="651600" cy="506880"/>
-              </a:xfrm>
-              <a:prstGeom prst="rect">
-                <a:avLst/>
-              </a:prstGeom>
-            </p:spPr>
-          </p:pic>
-        </mc:Fallback>
-      </mc:AlternateContent>
-      <mc:AlternateContent xmlns:mc="http://schemas.openxmlformats.org/markup-compatibility/2006" xmlns:p14="http://schemas.microsoft.com/office/powerpoint/2010/main">
-        <mc:Choice Requires="p14">
-          <p:contentPart p14:bwMode="auto" r:id="rId12">
-            <p14:nvContentPartPr>
-              <p14:cNvPr id="35" name="Ink 36">
-                <a:extLst>
-                  <a:ext uri="{FF2B5EF4-FFF2-40B4-BE49-F238E27FC236}">
-                    <a16:creationId xmlns:a16="http://schemas.microsoft.com/office/drawing/2014/main" id="{87A68B8F-793C-8104-08AB-FCF63EC8315B}"/>
-                  </a:ext>
-                </a:extLst>
-              </p14:cNvPr>
-              <p14:cNvContentPartPr/>
-              <p14:nvPr/>
-            </p14:nvContentPartPr>
-            <p14:xfrm>
-              <a:off x="2702107" y="807920"/>
-              <a:ext cx="677520" cy="546120"/>
-            </p14:xfrm>
-          </p:contentPart>
-        </mc:Choice>
-        <mc:Fallback xmlns="">
-          <p:pic>
-            <p:nvPicPr>
-              <p:cNvPr id="35" name="Ink 36">
-                <a:extLst>
-                  <a:ext uri="{FF2B5EF4-FFF2-40B4-BE49-F238E27FC236}">
-                    <a16:creationId xmlns:a16="http://schemas.microsoft.com/office/drawing/2014/main" id="{87A68B8F-793C-8104-08AB-FCF63EC8315B}"/>
-                  </a:ext>
-                </a:extLst>
-              </p:cNvPr>
-              <p:cNvPicPr/>
-              <p:nvPr/>
-            </p:nvPicPr>
-            <p:blipFill>
-              <a:blip r:embed="rId13"/>
-              <a:stretch>
-                <a:fillRect/>
-              </a:stretch>
-            </p:blipFill>
-            <p:spPr>
-              <a:xfrm>
-                <a:off x="2686987" y="792800"/>
-                <a:ext cx="708120" cy="576360"/>
-              </a:xfrm>
-              <a:prstGeom prst="rect">
-                <a:avLst/>
-              </a:prstGeom>
-            </p:spPr>
-          </p:pic>
-        </mc:Fallback>
-      </mc:AlternateContent>
-      <mc:AlternateContent xmlns:mc="http://schemas.openxmlformats.org/markup-compatibility/2006" xmlns:p14="http://schemas.microsoft.com/office/powerpoint/2010/main">
-        <mc:Choice Requires="p14">
-          <p:contentPart p14:bwMode="auto" r:id="rId14">
-            <p14:nvContentPartPr>
-              <p14:cNvPr id="36" name="Ink 36">
-                <a:extLst>
-                  <a:ext uri="{FF2B5EF4-FFF2-40B4-BE49-F238E27FC236}">
-                    <a16:creationId xmlns:a16="http://schemas.microsoft.com/office/drawing/2014/main" id="{8DA98B33-687C-253E-AE9F-3E47A9082FD7}"/>
-                  </a:ext>
-                </a:extLst>
-              </p14:cNvPr>
-              <p14:cNvContentPartPr/>
-              <p14:nvPr/>
-            </p14:nvContentPartPr>
-            <p14:xfrm>
-              <a:off x="1749547" y="959480"/>
-              <a:ext cx="649440" cy="331920"/>
-            </p14:xfrm>
-          </p:contentPart>
-        </mc:Choice>
-        <mc:Fallback xmlns="">
-          <p:pic>
-            <p:nvPicPr>
-              <p:cNvPr id="36" name="Ink 36">
-                <a:extLst>
-                  <a:ext uri="{FF2B5EF4-FFF2-40B4-BE49-F238E27FC236}">
-                    <a16:creationId xmlns:a16="http://schemas.microsoft.com/office/drawing/2014/main" id="{8DA98B33-687C-253E-AE9F-3E47A9082FD7}"/>
-                  </a:ext>
-                </a:extLst>
-              </p:cNvPr>
-              <p:cNvPicPr/>
-              <p:nvPr/>
-            </p:nvPicPr>
-            <p:blipFill>
-              <a:blip r:embed="rId15"/>
-              <a:stretch>
-                <a:fillRect/>
-              </a:stretch>
-            </p:blipFill>
-            <p:spPr>
-              <a:xfrm>
-                <a:off x="1734427" y="944000"/>
-                <a:ext cx="680040" cy="362520"/>
-              </a:xfrm>
-              <a:prstGeom prst="rect">
-                <a:avLst/>
-              </a:prstGeom>
-            </p:spPr>
-          </p:pic>
-        </mc:Fallback>
-      </mc:AlternateContent>
-      <mc:AlternateContent xmlns:mc="http://schemas.openxmlformats.org/markup-compatibility/2006" xmlns:p14="http://schemas.microsoft.com/office/powerpoint/2010/main">
-        <mc:Choice Requires="p14">
-          <p:contentPart p14:bwMode="auto" r:id="rId16">
-            <p14:nvContentPartPr>
-              <p14:cNvPr id="54" name="Ink 53">
-                <a:extLst>
-                  <a:ext uri="{FF2B5EF4-FFF2-40B4-BE49-F238E27FC236}">
-                    <a16:creationId xmlns:a16="http://schemas.microsoft.com/office/drawing/2014/main" id="{99E56395-5A76-B3EC-D6D6-98946D44B994}"/>
-                  </a:ext>
-                </a:extLst>
-              </p14:cNvPr>
-              <p14:cNvContentPartPr/>
-              <p14:nvPr/>
-            </p14:nvContentPartPr>
-            <p14:xfrm>
-              <a:off x="2381347" y="5532920"/>
-              <a:ext cx="988200" cy="680040"/>
-            </p14:xfrm>
-          </p:contentPart>
-        </mc:Choice>
-        <mc:Fallback xmlns="">
-          <p:pic>
-            <p:nvPicPr>
-              <p:cNvPr id="54" name="Ink 53">
-                <a:extLst>
-                  <a:ext uri="{FF2B5EF4-FFF2-40B4-BE49-F238E27FC236}">
-                    <a16:creationId xmlns:a16="http://schemas.microsoft.com/office/drawing/2014/main" id="{99E56395-5A76-B3EC-D6D6-98946D44B994}"/>
-                  </a:ext>
-                </a:extLst>
-              </p:cNvPr>
-              <p:cNvPicPr/>
-              <p:nvPr/>
-            </p:nvPicPr>
-            <p:blipFill>
-              <a:blip r:embed="rId17"/>
-              <a:stretch>
-                <a:fillRect/>
-              </a:stretch>
-            </p:blipFill>
-            <p:spPr>
-              <a:xfrm>
-                <a:off x="2366227" y="5517800"/>
-                <a:ext cx="1018800" cy="710640"/>
-              </a:xfrm>
-              <a:prstGeom prst="rect">
-                <a:avLst/>
-              </a:prstGeom>
-            </p:spPr>
-          </p:pic>
-        </mc:Fallback>
-      </mc:AlternateContent>
-      <mc:AlternateContent xmlns:mc="http://schemas.openxmlformats.org/markup-compatibility/2006" xmlns:p14="http://schemas.microsoft.com/office/powerpoint/2010/main">
-        <mc:Choice Requires="p14">
-          <p:contentPart p14:bwMode="auto" r:id="rId18">
-            <p14:nvContentPartPr>
-              <p14:cNvPr id="55" name="Ink 54">
-                <a:extLst>
-                  <a:ext uri="{FF2B5EF4-FFF2-40B4-BE49-F238E27FC236}">
-                    <a16:creationId xmlns:a16="http://schemas.microsoft.com/office/drawing/2014/main" id="{B7193ACF-6FED-773F-2502-7EF5161E7978}"/>
-                  </a:ext>
-                </a:extLst>
-              </p14:cNvPr>
-              <p14:cNvContentPartPr/>
-              <p14:nvPr/>
-            </p14:nvContentPartPr>
-            <p14:xfrm>
-              <a:off x="7958467" y="5481800"/>
-              <a:ext cx="1100880" cy="768600"/>
-            </p14:xfrm>
-          </p:contentPart>
-        </mc:Choice>
-        <mc:Fallback xmlns="">
-          <p:pic>
-            <p:nvPicPr>
-              <p:cNvPr id="55" name="Ink 54">
-                <a:extLst>
-                  <a:ext uri="{FF2B5EF4-FFF2-40B4-BE49-F238E27FC236}">
-                    <a16:creationId xmlns:a16="http://schemas.microsoft.com/office/drawing/2014/main" id="{B7193ACF-6FED-773F-2502-7EF5161E7978}"/>
-                  </a:ext>
-                </a:extLst>
-              </p:cNvPr>
-              <p:cNvPicPr/>
-              <p:nvPr/>
-            </p:nvPicPr>
-            <p:blipFill>
-              <a:blip r:embed="rId19"/>
-              <a:stretch>
-                <a:fillRect/>
-              </a:stretch>
-            </p:blipFill>
-            <p:spPr>
-              <a:xfrm>
-                <a:off x="7943347" y="5466680"/>
-                <a:ext cx="1131480" cy="799200"/>
-              </a:xfrm>
-              <a:prstGeom prst="rect">
-                <a:avLst/>
-              </a:prstGeom>
-            </p:spPr>
-          </p:pic>
-        </mc:Fallback>
-      </mc:AlternateContent>
-      <mc:AlternateContent xmlns:mc="http://schemas.openxmlformats.org/markup-compatibility/2006" xmlns:p14="http://schemas.microsoft.com/office/powerpoint/2010/main">
-        <mc:Choice Requires="p14">
-          <p:contentPart p14:bwMode="auto" r:id="rId20">
-            <p14:nvContentPartPr>
-              <p14:cNvPr id="60" name="Ink 60">
-                <a:extLst>
-                  <a:ext uri="{FF2B5EF4-FFF2-40B4-BE49-F238E27FC236}">
-                    <a16:creationId xmlns:a16="http://schemas.microsoft.com/office/drawing/2014/main" id="{B4BA9EDC-0045-96F8-AA8B-B13019B52906}"/>
-                  </a:ext>
-                </a:extLst>
-              </p14:cNvPr>
-              <p14:cNvContentPartPr/>
-              <p14:nvPr/>
-            </p14:nvContentPartPr>
-            <p14:xfrm>
-              <a:off x="11140507" y="3273560"/>
-              <a:ext cx="487080" cy="296640"/>
-            </p14:xfrm>
-          </p:contentPart>
-        </mc:Choice>
-        <mc:Fallback xmlns="">
-          <p:pic>
-            <p:nvPicPr>
-              <p:cNvPr id="60" name="Ink 60">
-                <a:extLst>
-                  <a:ext uri="{FF2B5EF4-FFF2-40B4-BE49-F238E27FC236}">
-                    <a16:creationId xmlns:a16="http://schemas.microsoft.com/office/drawing/2014/main" id="{B4BA9EDC-0045-96F8-AA8B-B13019B52906}"/>
-                  </a:ext>
-                </a:extLst>
-              </p:cNvPr>
-              <p:cNvPicPr/>
-              <p:nvPr/>
-            </p:nvPicPr>
-            <p:blipFill>
-              <a:blip r:embed="rId21"/>
-              <a:stretch>
-                <a:fillRect/>
-              </a:stretch>
-            </p:blipFill>
-            <p:spPr>
-              <a:xfrm>
-                <a:off x="11125387" y="3258440"/>
-                <a:ext cx="517680" cy="327240"/>
-              </a:xfrm>
-              <a:prstGeom prst="rect">
-                <a:avLst/>
-              </a:prstGeom>
-            </p:spPr>
-          </p:pic>
-        </mc:Fallback>
-      </mc:AlternateContent>
-      <mc:AlternateContent xmlns:mc="http://schemas.openxmlformats.org/markup-compatibility/2006" xmlns:p14="http://schemas.microsoft.com/office/powerpoint/2010/main">
-        <mc:Choice Requires="p14">
-          <p:contentPart p14:bwMode="auto" r:id="rId22">
-            <p14:nvContentPartPr>
-              <p14:cNvPr id="65" name="Ink 65">
-                <a:extLst>
-                  <a:ext uri="{FF2B5EF4-FFF2-40B4-BE49-F238E27FC236}">
-                    <a16:creationId xmlns:a16="http://schemas.microsoft.com/office/drawing/2014/main" id="{4B4F7C68-F328-7957-3207-4B26707C6965}"/>
-                  </a:ext>
-                </a:extLst>
-              </p14:cNvPr>
-              <p14:cNvContentPartPr/>
-              <p14:nvPr/>
-            </p14:nvContentPartPr>
-            <p14:xfrm>
-              <a:off x="5552587" y="3302000"/>
-              <a:ext cx="451800" cy="331920"/>
-            </p14:xfrm>
-          </p:contentPart>
-        </mc:Choice>
-        <mc:Fallback xmlns="">
-          <p:pic>
-            <p:nvPicPr>
-              <p:cNvPr id="65" name="Ink 65">
-                <a:extLst>
-                  <a:ext uri="{FF2B5EF4-FFF2-40B4-BE49-F238E27FC236}">
-                    <a16:creationId xmlns:a16="http://schemas.microsoft.com/office/drawing/2014/main" id="{4B4F7C68-F328-7957-3207-4B26707C6965}"/>
-                  </a:ext>
-                </a:extLst>
-              </p:cNvPr>
-              <p:cNvPicPr/>
-              <p:nvPr/>
-            </p:nvPicPr>
-            <p:blipFill>
-              <a:blip r:embed="rId23"/>
-              <a:stretch>
-                <a:fillRect/>
-              </a:stretch>
-            </p:blipFill>
-            <p:spPr>
-              <a:xfrm>
-                <a:off x="5537467" y="3286520"/>
-                <a:ext cx="482400" cy="362520"/>
-              </a:xfrm>
-              <a:prstGeom prst="rect">
-                <a:avLst/>
-              </a:prstGeom>
-            </p:spPr>
-          </p:pic>
-        </mc:Fallback>
-      </mc:AlternateContent>
-    </p:spTree>
-    <p:extLst>
-      <p:ext uri="{BB962C8B-B14F-4D97-AF65-F5344CB8AC3E}">
-        <p14:creationId xmlns:p14="http://schemas.microsoft.com/office/powerpoint/2010/main" val="241321608"/>
-      </p:ext>
-    </p:extLst>
-  </p:cSld>
-  <p:clrMapOvr>
-    <a:masterClrMapping/>
-  </p:clrMapOvr>
-</p:sld>
-</file>
-
 <file path=ppt/slides/slide16.xml><?xml version="1.0" encoding="utf-8"?>
 <p:sld xmlns:a="http://schemas.openxmlformats.org/drawingml/2006/main" xmlns:r="http://schemas.openxmlformats.org/officeDocument/2006/relationships" xmlns:p="http://schemas.openxmlformats.org/presentationml/2006/main">
   <p:cSld>
@@ -12916,80 +12400,63 @@
           <a:chExt cx="0" cy="0"/>
         </a:xfrm>
       </p:grpSpPr>
-      <p:pic>
-        <p:nvPicPr>
-          <p:cNvPr id="3" name="Picture 2" descr="Chart&#10;&#10;Description automatically generated">
+      <p:sp>
+        <p:nvSpPr>
+          <p:cNvPr id="2" name="Title 1">
             <a:extLst>
               <a:ext uri="{FF2B5EF4-FFF2-40B4-BE49-F238E27FC236}">
-                <a16:creationId xmlns:a16="http://schemas.microsoft.com/office/drawing/2014/main" id="{EF2DAD88-F5C2-83E5-DF27-EB3C8C432FB1}"/>
+                <a16:creationId xmlns:a16="http://schemas.microsoft.com/office/drawing/2014/main" id="{DB392045-67F8-3660-D10C-3AAB851D51BF}"/>
               </a:ext>
             </a:extLst>
           </p:cNvPr>
-          <p:cNvPicPr>
-            <a:picLocks noChangeAspect="1"/>
-          </p:cNvPicPr>
-          <p:nvPr/>
-        </p:nvPicPr>
-        <p:blipFill rotWithShape="1">
-          <a:blip r:embed="rId2">
-            <a:extLst>
-              <a:ext uri="{28A0092B-C50C-407E-A947-70E740481C1C}">
-                <a14:useLocalDpi xmlns:a14="http://schemas.microsoft.com/office/drawing/2010/main" val="0"/>
-              </a:ext>
-            </a:extLst>
-          </a:blip>
-          <a:srcRect r="8778"/>
-          <a:stretch/>
-        </p:blipFill>
-        <p:spPr>
-          <a:xfrm>
-            <a:off x="1" y="3516086"/>
-            <a:ext cx="12192000" cy="3084286"/>
-          </a:xfrm>
-          <a:prstGeom prst="rect">
-            <a:avLst/>
-          </a:prstGeom>
-        </p:spPr>
-      </p:pic>
-      <p:pic>
-        <p:nvPicPr>
-          <p:cNvPr id="5" name="Picture 4" descr="Chart&#10;&#10;Description automatically generated">
+          <p:cNvSpPr>
+            <a:spLocks noGrp="1"/>
+          </p:cNvSpPr>
+          <p:nvPr>
+            <p:ph type="title"/>
+          </p:nvPr>
+        </p:nvSpPr>
+        <p:spPr/>
+        <p:txBody>
+          <a:bodyPr/>
+          <a:lstStyle/>
+          <a:p>
+            <a:r>
+              <a:rPr lang="en-US" dirty="0"/>
+              <a:t>Winter 2022-2023 LAI</a:t>
+            </a:r>
+          </a:p>
+        </p:txBody>
+      </p:sp>
+      <p:sp>
+        <p:nvSpPr>
+          <p:cNvPr id="3" name="Text Placeholder 2">
             <a:extLst>
               <a:ext uri="{FF2B5EF4-FFF2-40B4-BE49-F238E27FC236}">
-                <a16:creationId xmlns:a16="http://schemas.microsoft.com/office/drawing/2014/main" id="{7112677A-7E96-9768-B3B3-8E848C276493}"/>
+                <a16:creationId xmlns:a16="http://schemas.microsoft.com/office/drawing/2014/main" id="{0E623FEB-313E-154C-30DF-01B10C614E1B}"/>
               </a:ext>
             </a:extLst>
           </p:cNvPr>
-          <p:cNvPicPr>
-            <a:picLocks noChangeAspect="1"/>
-          </p:cNvPicPr>
-          <p:nvPr/>
-        </p:nvPicPr>
-        <p:blipFill rotWithShape="1">
-          <a:blip r:embed="rId3">
-            <a:extLst>
-              <a:ext uri="{28A0092B-C50C-407E-A947-70E740481C1C}">
-                <a14:useLocalDpi xmlns:a14="http://schemas.microsoft.com/office/drawing/2010/main" val="0"/>
-              </a:ext>
-            </a:extLst>
-          </a:blip>
-          <a:srcRect r="8832"/>
-          <a:stretch/>
-        </p:blipFill>
-        <p:spPr>
-          <a:xfrm>
-            <a:off x="7257" y="431800"/>
-            <a:ext cx="12184743" cy="3084286"/>
-          </a:xfrm>
-          <a:prstGeom prst="rect">
-            <a:avLst/>
-          </a:prstGeom>
-        </p:spPr>
-      </p:pic>
+          <p:cNvSpPr>
+            <a:spLocks noGrp="1"/>
+          </p:cNvSpPr>
+          <p:nvPr>
+            <p:ph type="body" idx="1"/>
+          </p:nvPr>
+        </p:nvSpPr>
+        <p:spPr/>
+        <p:txBody>
+          <a:bodyPr/>
+          <a:lstStyle/>
+          <a:p>
+            <a:endParaRPr lang="en-US"/>
+          </a:p>
+        </p:txBody>
+      </p:sp>
     </p:spTree>
     <p:extLst>
       <p:ext uri="{BB962C8B-B14F-4D97-AF65-F5344CB8AC3E}">
-        <p14:creationId xmlns:p14="http://schemas.microsoft.com/office/powerpoint/2010/main" val="3917523081"/>
+        <p14:creationId xmlns:p14="http://schemas.microsoft.com/office/powerpoint/2010/main" val="3570829754"/>
       </p:ext>
     </p:extLst>
   </p:cSld>
@@ -13021,7 +12488,7 @@
           <p:cNvPr id="3" name="Picture 2">
             <a:extLst>
               <a:ext uri="{FF2B5EF4-FFF2-40B4-BE49-F238E27FC236}">
-                <a16:creationId xmlns:a16="http://schemas.microsoft.com/office/drawing/2014/main" id="{EF2DAD88-F5C2-83E5-DF27-EB3C8C432FB1}"/>
+                <a16:creationId xmlns:a16="http://schemas.microsoft.com/office/drawing/2014/main" id="{B3770DFF-83BE-7302-BD0F-442F73D8D0C2}"/>
               </a:ext>
             </a:extLst>
           </p:cNvPr>
@@ -13030,56 +12497,16 @@
           </p:cNvPicPr>
           <p:nvPr/>
         </p:nvPicPr>
-        <p:blipFill rotWithShape="1">
-          <a:blip r:embed="rId2">
-            <a:extLst>
-              <a:ext uri="{28A0092B-C50C-407E-A947-70E740481C1C}">
-                <a14:useLocalDpi xmlns:a14="http://schemas.microsoft.com/office/drawing/2010/main" val="0"/>
-              </a:ext>
-            </a:extLst>
-          </a:blip>
-          <a:srcRect l="969" r="969"/>
-          <a:stretch/>
+        <p:blipFill>
+          <a:blip r:embed="rId2"/>
+          <a:stretch>
+            <a:fillRect/>
+          </a:stretch>
         </p:blipFill>
         <p:spPr>
           <a:xfrm>
-            <a:off x="1" y="3516086"/>
-            <a:ext cx="12192000" cy="3084286"/>
-          </a:xfrm>
-          <a:prstGeom prst="rect">
-            <a:avLst/>
-          </a:prstGeom>
-        </p:spPr>
-      </p:pic>
-      <p:pic>
-        <p:nvPicPr>
-          <p:cNvPr id="5" name="Picture 4">
-            <a:extLst>
-              <a:ext uri="{FF2B5EF4-FFF2-40B4-BE49-F238E27FC236}">
-                <a16:creationId xmlns:a16="http://schemas.microsoft.com/office/drawing/2014/main" id="{7112677A-7E96-9768-B3B3-8E848C276493}"/>
-              </a:ext>
-            </a:extLst>
-          </p:cNvPr>
-          <p:cNvPicPr>
-            <a:picLocks noChangeAspect="1"/>
-          </p:cNvPicPr>
-          <p:nvPr/>
-        </p:nvPicPr>
-        <p:blipFill rotWithShape="1">
-          <a:blip r:embed="rId3">
-            <a:extLst>
-              <a:ext uri="{28A0092B-C50C-407E-A947-70E740481C1C}">
-                <a14:useLocalDpi xmlns:a14="http://schemas.microsoft.com/office/drawing/2010/main" val="0"/>
-              </a:ext>
-            </a:extLst>
-          </a:blip>
-          <a:srcRect l="232" r="232"/>
-          <a:stretch/>
-        </p:blipFill>
-        <p:spPr>
-          <a:xfrm>
-            <a:off x="7257" y="431800"/>
-            <a:ext cx="12184743" cy="3084286"/>
+            <a:off x="1453911" y="653907"/>
+            <a:ext cx="9284177" cy="5550185"/>
           </a:xfrm>
           <a:prstGeom prst="rect">
             <a:avLst/>
@@ -13089,7 +12516,348 @@
     </p:spTree>
     <p:extLst>
       <p:ext uri="{BB962C8B-B14F-4D97-AF65-F5344CB8AC3E}">
-        <p14:creationId xmlns:p14="http://schemas.microsoft.com/office/powerpoint/2010/main" val="2519248304"/>
+        <p14:creationId xmlns:p14="http://schemas.microsoft.com/office/powerpoint/2010/main" val="1219808050"/>
+      </p:ext>
+    </p:extLst>
+  </p:cSld>
+  <p:clrMapOvr>
+    <a:masterClrMapping/>
+  </p:clrMapOvr>
+</p:sld>
+</file>
+
+<file path=ppt/slides/slide18.xml><?xml version="1.0" encoding="utf-8"?>
+<p:sld xmlns:a="http://schemas.openxmlformats.org/drawingml/2006/main" xmlns:r="http://schemas.openxmlformats.org/officeDocument/2006/relationships" xmlns:p="http://schemas.openxmlformats.org/presentationml/2006/main">
+  <p:cSld>
+    <p:spTree>
+      <p:nvGrpSpPr>
+        <p:cNvPr id="1" name=""/>
+        <p:cNvGrpSpPr/>
+        <p:nvPr/>
+      </p:nvGrpSpPr>
+      <p:grpSpPr>
+        <a:xfrm>
+          <a:off x="0" y="0"/>
+          <a:ext cx="0" cy="0"/>
+          <a:chOff x="0" y="0"/>
+          <a:chExt cx="0" cy="0"/>
+        </a:xfrm>
+      </p:grpSpPr>
+      <p:pic>
+        <p:nvPicPr>
+          <p:cNvPr id="3" name="Picture 2">
+            <a:extLst>
+              <a:ext uri="{FF2B5EF4-FFF2-40B4-BE49-F238E27FC236}">
+                <a16:creationId xmlns:a16="http://schemas.microsoft.com/office/drawing/2014/main" id="{84968592-3BB5-E0B4-D7C3-9E832C1EC9F0}"/>
+              </a:ext>
+            </a:extLst>
+          </p:cNvPr>
+          <p:cNvPicPr>
+            <a:picLocks noChangeAspect="1"/>
+          </p:cNvPicPr>
+          <p:nvPr/>
+        </p:nvPicPr>
+        <p:blipFill>
+          <a:blip r:embed="rId2"/>
+          <a:stretch>
+            <a:fillRect/>
+          </a:stretch>
+        </p:blipFill>
+        <p:spPr>
+          <a:xfrm>
+            <a:off x="1646402" y="0"/>
+            <a:ext cx="4310569" cy="6858000"/>
+          </a:xfrm>
+          <a:prstGeom prst="rect">
+            <a:avLst/>
+          </a:prstGeom>
+        </p:spPr>
+      </p:pic>
+      <p:sp>
+        <p:nvSpPr>
+          <p:cNvPr id="4" name="TextBox 3">
+            <a:extLst>
+              <a:ext uri="{FF2B5EF4-FFF2-40B4-BE49-F238E27FC236}">
+                <a16:creationId xmlns:a16="http://schemas.microsoft.com/office/drawing/2014/main" id="{65A5B73D-E7B7-9587-BED3-DF2859054977}"/>
+              </a:ext>
+            </a:extLst>
+          </p:cNvPr>
+          <p:cNvSpPr txBox="1"/>
+          <p:nvPr/>
+        </p:nvSpPr>
+        <p:spPr>
+          <a:xfrm>
+            <a:off x="5798457" y="159657"/>
+            <a:ext cx="1582636" cy="3785652"/>
+          </a:xfrm>
+          <a:prstGeom prst="rect">
+            <a:avLst/>
+          </a:prstGeom>
+          <a:noFill/>
+        </p:spPr>
+        <p:txBody>
+          <a:bodyPr wrap="square" rtlCol="0">
+            <a:spAutoFit/>
+          </a:bodyPr>
+          <a:lstStyle/>
+          <a:p>
+            <a:r>
+              <a:rPr lang="en-US" sz="1200" b="1" dirty="0">
+                <a:solidFill>
+                  <a:srgbClr val="FF0000"/>
+                </a:solidFill>
+              </a:rPr>
+              <a:t>4 Ring  </a:t>
+            </a:r>
+          </a:p>
+          <a:p>
+            <a:r>
+              <a:rPr lang="en-US" sz="1200" dirty="0">
+                <a:solidFill>
+                  <a:srgbClr val="FF0000"/>
+                </a:solidFill>
+              </a:rPr>
+              <a:t>Zenith angles 0 – 60</a:t>
+            </a:r>
+          </a:p>
+          <a:p>
+            <a:endParaRPr lang="en-US" sz="1200" dirty="0">
+              <a:solidFill>
+                <a:srgbClr val="FF0000"/>
+              </a:solidFill>
+            </a:endParaRPr>
+          </a:p>
+          <a:p>
+            <a:r>
+              <a:rPr lang="en-US" sz="1200" b="1" dirty="0">
+                <a:solidFill>
+                  <a:srgbClr val="FF0000"/>
+                </a:solidFill>
+              </a:rPr>
+              <a:t>5 Ring </a:t>
+            </a:r>
+          </a:p>
+          <a:p>
+            <a:r>
+              <a:rPr lang="en-US" sz="1200" dirty="0">
+                <a:solidFill>
+                  <a:srgbClr val="FF0000"/>
+                </a:solidFill>
+              </a:rPr>
+              <a:t>Zenith angles 0-75</a:t>
+            </a:r>
+          </a:p>
+          <a:p>
+            <a:endParaRPr lang="en-US" sz="1200" dirty="0">
+              <a:solidFill>
+                <a:srgbClr val="FF0000"/>
+              </a:solidFill>
+            </a:endParaRPr>
+          </a:p>
+          <a:p>
+            <a:r>
+              <a:rPr lang="en-US" sz="1200" dirty="0">
+                <a:solidFill>
+                  <a:srgbClr val="FF0000"/>
+                </a:solidFill>
+              </a:rPr>
+              <a:t>ANOVA in S2 found significant difference with p = 0.000168. </a:t>
+            </a:r>
+          </a:p>
+          <a:p>
+            <a:endParaRPr lang="en-US" sz="1200" dirty="0">
+              <a:solidFill>
+                <a:srgbClr val="FF0000"/>
+              </a:solidFill>
+            </a:endParaRPr>
+          </a:p>
+          <a:p>
+            <a:r>
+              <a:rPr lang="en-US" sz="1200" dirty="0">
+                <a:solidFill>
+                  <a:srgbClr val="FF0000"/>
+                </a:solidFill>
+              </a:rPr>
+              <a:t>Tukey test showed difference between </a:t>
+            </a:r>
+            <a:r>
+              <a:rPr lang="en-US" sz="1200" b="1" dirty="0">
+                <a:solidFill>
+                  <a:srgbClr val="FF0000"/>
+                </a:solidFill>
+              </a:rPr>
+              <a:t>Upland</a:t>
+            </a:r>
+            <a:r>
+              <a:rPr lang="en-US" sz="1200" dirty="0">
+                <a:solidFill>
+                  <a:srgbClr val="FF0000"/>
+                </a:solidFill>
+              </a:rPr>
+              <a:t> and </a:t>
+            </a:r>
+            <a:r>
+              <a:rPr lang="en-US" sz="1200" b="1" dirty="0">
+                <a:solidFill>
+                  <a:srgbClr val="FF0000"/>
+                </a:solidFill>
+              </a:rPr>
+              <a:t>Bog</a:t>
+            </a:r>
+            <a:r>
+              <a:rPr lang="en-US" sz="1200" dirty="0">
+                <a:solidFill>
+                  <a:srgbClr val="FF0000"/>
+                </a:solidFill>
+              </a:rPr>
+              <a:t> at the 0.01 significance level (p = 0.000).</a:t>
+            </a:r>
+          </a:p>
+          <a:p>
+            <a:endParaRPr lang="en-US" sz="1200" dirty="0">
+              <a:solidFill>
+                <a:srgbClr val="FF0000"/>
+              </a:solidFill>
+            </a:endParaRPr>
+          </a:p>
+          <a:p>
+            <a:r>
+              <a:rPr lang="en-US" sz="1200" dirty="0">
+                <a:solidFill>
+                  <a:srgbClr val="FF0000"/>
+                </a:solidFill>
+              </a:rPr>
+              <a:t>And </a:t>
+            </a:r>
+            <a:r>
+              <a:rPr lang="en-US" sz="1200" b="1" dirty="0">
+                <a:solidFill>
+                  <a:srgbClr val="FF0000"/>
+                </a:solidFill>
+              </a:rPr>
+              <a:t>Upland </a:t>
+            </a:r>
+            <a:r>
+              <a:rPr lang="en-US" sz="1200" dirty="0">
+                <a:solidFill>
+                  <a:srgbClr val="FF0000"/>
+                </a:solidFill>
+              </a:rPr>
+              <a:t>and </a:t>
+            </a:r>
+            <a:r>
+              <a:rPr lang="en-US" sz="1200" b="1" dirty="0">
+                <a:solidFill>
+                  <a:srgbClr val="FF0000"/>
+                </a:solidFill>
+              </a:rPr>
+              <a:t>Lagg </a:t>
+            </a:r>
+            <a:r>
+              <a:rPr lang="en-US" sz="1200" dirty="0">
+                <a:solidFill>
+                  <a:srgbClr val="FF0000"/>
+                </a:solidFill>
+              </a:rPr>
+              <a:t>at the 0.1 significance level (p = 0.062)</a:t>
+            </a:r>
+          </a:p>
+          <a:p>
+            <a:endParaRPr lang="en-US" sz="1200" dirty="0">
+              <a:solidFill>
+                <a:srgbClr val="FF0000"/>
+              </a:solidFill>
+            </a:endParaRPr>
+          </a:p>
+        </p:txBody>
+      </p:sp>
+    </p:spTree>
+    <p:extLst>
+      <p:ext uri="{BB962C8B-B14F-4D97-AF65-F5344CB8AC3E}">
+        <p14:creationId xmlns:p14="http://schemas.microsoft.com/office/powerpoint/2010/main" val="1301864667"/>
+      </p:ext>
+    </p:extLst>
+  </p:cSld>
+  <p:clrMapOvr>
+    <a:masterClrMapping/>
+  </p:clrMapOvr>
+</p:sld>
+</file>
+
+<file path=ppt/slides/slide19.xml><?xml version="1.0" encoding="utf-8"?>
+<p:sld xmlns:a="http://schemas.openxmlformats.org/drawingml/2006/main" xmlns:r="http://schemas.openxmlformats.org/officeDocument/2006/relationships" xmlns:p="http://schemas.openxmlformats.org/presentationml/2006/main">
+  <p:cSld>
+    <p:spTree>
+      <p:nvGrpSpPr>
+        <p:cNvPr id="1" name=""/>
+        <p:cNvGrpSpPr/>
+        <p:nvPr/>
+      </p:nvGrpSpPr>
+      <p:grpSpPr>
+        <a:xfrm>
+          <a:off x="0" y="0"/>
+          <a:ext cx="0" cy="0"/>
+          <a:chOff x="0" y="0"/>
+          <a:chExt cx="0" cy="0"/>
+        </a:xfrm>
+      </p:grpSpPr>
+      <p:sp>
+        <p:nvSpPr>
+          <p:cNvPr id="2" name="Title 1">
+            <a:extLst>
+              <a:ext uri="{FF2B5EF4-FFF2-40B4-BE49-F238E27FC236}">
+                <a16:creationId xmlns:a16="http://schemas.microsoft.com/office/drawing/2014/main" id="{4A40C6A3-A825-E838-5602-458D0C68C35E}"/>
+              </a:ext>
+            </a:extLst>
+          </p:cNvPr>
+          <p:cNvSpPr>
+            <a:spLocks noGrp="1"/>
+          </p:cNvSpPr>
+          <p:nvPr>
+            <p:ph type="title"/>
+          </p:nvPr>
+        </p:nvSpPr>
+        <p:spPr/>
+        <p:txBody>
+          <a:bodyPr/>
+          <a:lstStyle/>
+          <a:p>
+            <a:r>
+              <a:rPr lang="en-US" dirty="0"/>
+              <a:t>2022-2023 Snow Depth Data</a:t>
+            </a:r>
+          </a:p>
+        </p:txBody>
+      </p:sp>
+      <p:sp>
+        <p:nvSpPr>
+          <p:cNvPr id="3" name="Text Placeholder 2">
+            <a:extLst>
+              <a:ext uri="{FF2B5EF4-FFF2-40B4-BE49-F238E27FC236}">
+                <a16:creationId xmlns:a16="http://schemas.microsoft.com/office/drawing/2014/main" id="{E30A2610-804F-E24E-CF4C-698CD0679E49}"/>
+              </a:ext>
+            </a:extLst>
+          </p:cNvPr>
+          <p:cNvSpPr>
+            <a:spLocks noGrp="1"/>
+          </p:cNvSpPr>
+          <p:nvPr>
+            <p:ph type="body" idx="1"/>
+          </p:nvPr>
+        </p:nvSpPr>
+        <p:spPr/>
+        <p:txBody>
+          <a:bodyPr/>
+          <a:lstStyle/>
+          <a:p>
+            <a:endParaRPr lang="en-US"/>
+          </a:p>
+        </p:txBody>
+      </p:sp>
+    </p:spTree>
+    <p:extLst>
+      <p:ext uri="{BB962C8B-B14F-4D97-AF65-F5344CB8AC3E}">
+        <p14:creationId xmlns:p14="http://schemas.microsoft.com/office/powerpoint/2010/main" val="2003868286"/>
       </p:ext>
     </p:extLst>
   </p:cSld>
@@ -14781,6 +14549,1054 @@
     <p:extLst>
       <p:ext uri="{BB962C8B-B14F-4D97-AF65-F5344CB8AC3E}">
         <p14:creationId xmlns:p14="http://schemas.microsoft.com/office/powerpoint/2010/main" val="1492590634"/>
+      </p:ext>
+    </p:extLst>
+  </p:cSld>
+  <p:clrMapOvr>
+    <a:masterClrMapping/>
+  </p:clrMapOvr>
+</p:sld>
+</file>
+
+<file path=ppt/slides/slide20.xml><?xml version="1.0" encoding="utf-8"?>
+<p:sld xmlns:a="http://schemas.openxmlformats.org/drawingml/2006/main" xmlns:r="http://schemas.openxmlformats.org/officeDocument/2006/relationships" xmlns:p="http://schemas.openxmlformats.org/presentationml/2006/main">
+  <p:cSld>
+    <p:bg>
+      <p:bgPr>
+        <a:solidFill>
+          <a:schemeClr val="bg1"/>
+        </a:solidFill>
+        <a:effectLst/>
+      </p:bgPr>
+    </p:bg>
+    <p:spTree>
+      <p:nvGrpSpPr>
+        <p:cNvPr id="1" name=""/>
+        <p:cNvGrpSpPr/>
+        <p:nvPr/>
+      </p:nvGrpSpPr>
+      <p:grpSpPr>
+        <a:xfrm>
+          <a:off x="0" y="0"/>
+          <a:ext cx="0" cy="0"/>
+          <a:chOff x="0" y="0"/>
+          <a:chExt cx="0" cy="0"/>
+        </a:xfrm>
+      </p:grpSpPr>
+      <p:pic>
+        <p:nvPicPr>
+          <p:cNvPr id="4" name="Picture 3">
+            <a:extLst>
+              <a:ext uri="{FF2B5EF4-FFF2-40B4-BE49-F238E27FC236}">
+                <a16:creationId xmlns:a16="http://schemas.microsoft.com/office/drawing/2014/main" id="{C9BEAFAB-A612-B884-2672-072FC31A6801}"/>
+              </a:ext>
+            </a:extLst>
+          </p:cNvPr>
+          <p:cNvPicPr>
+            <a:picLocks noChangeAspect="1"/>
+          </p:cNvPicPr>
+          <p:nvPr/>
+        </p:nvPicPr>
+        <p:blipFill>
+          <a:blip r:embed="rId2"/>
+          <a:stretch>
+            <a:fillRect/>
+          </a:stretch>
+        </p:blipFill>
+        <p:spPr>
+          <a:xfrm>
+            <a:off x="643470" y="1424781"/>
+            <a:ext cx="5291666" cy="4008436"/>
+          </a:xfrm>
+          <a:prstGeom prst="rect">
+            <a:avLst/>
+          </a:prstGeom>
+        </p:spPr>
+      </p:pic>
+      <p:pic>
+        <p:nvPicPr>
+          <p:cNvPr id="3" name="Picture 2">
+            <a:extLst>
+              <a:ext uri="{FF2B5EF4-FFF2-40B4-BE49-F238E27FC236}">
+                <a16:creationId xmlns:a16="http://schemas.microsoft.com/office/drawing/2014/main" id="{788DF367-E15E-CD96-5AAF-71F2873AFB95}"/>
+              </a:ext>
+            </a:extLst>
+          </p:cNvPr>
+          <p:cNvPicPr>
+            <a:picLocks noChangeAspect="1"/>
+          </p:cNvPicPr>
+          <p:nvPr/>
+        </p:nvPicPr>
+        <p:blipFill>
+          <a:blip r:embed="rId3"/>
+          <a:stretch>
+            <a:fillRect/>
+          </a:stretch>
+        </p:blipFill>
+        <p:spPr>
+          <a:xfrm>
+            <a:off x="6256865" y="1477698"/>
+            <a:ext cx="5291667" cy="3902603"/>
+          </a:xfrm>
+          <a:prstGeom prst="rect">
+            <a:avLst/>
+          </a:prstGeom>
+        </p:spPr>
+      </p:pic>
+      <mc:AlternateContent xmlns:mc="http://schemas.openxmlformats.org/markup-compatibility/2006" xmlns:p14="http://schemas.microsoft.com/office/powerpoint/2010/main">
+        <mc:Choice Requires="p14">
+          <p:contentPart p14:bwMode="auto" r:id="rId4">
+            <p14:nvContentPartPr>
+              <p14:cNvPr id="6" name="Ink 6">
+                <a:extLst>
+                  <a:ext uri="{FF2B5EF4-FFF2-40B4-BE49-F238E27FC236}">
+                    <a16:creationId xmlns:a16="http://schemas.microsoft.com/office/drawing/2014/main" id="{AB89C1D5-862B-96D2-31C3-BC9A0A2D222F}"/>
+                  </a:ext>
+                </a:extLst>
+              </p14:cNvPr>
+              <p14:cNvContentPartPr/>
+              <p14:nvPr/>
+            </p14:nvContentPartPr>
+            <p14:xfrm>
+              <a:off x="2688067" y="5757200"/>
+              <a:ext cx="430920" cy="247320"/>
+            </p14:xfrm>
+          </p:contentPart>
+        </mc:Choice>
+        <mc:Fallback xmlns="">
+          <p:pic>
+            <p:nvPicPr>
+              <p:cNvPr id="6" name="Ink 6">
+                <a:extLst>
+                  <a:ext uri="{FF2B5EF4-FFF2-40B4-BE49-F238E27FC236}">
+                    <a16:creationId xmlns:a16="http://schemas.microsoft.com/office/drawing/2014/main" id="{AB89C1D5-862B-96D2-31C3-BC9A0A2D222F}"/>
+                  </a:ext>
+                </a:extLst>
+              </p:cNvPr>
+              <p:cNvPicPr/>
+              <p:nvPr/>
+            </p:nvPicPr>
+            <p:blipFill>
+              <a:blip r:embed="rId5"/>
+              <a:stretch>
+                <a:fillRect/>
+              </a:stretch>
+            </p:blipFill>
+            <p:spPr>
+              <a:xfrm>
+                <a:off x="2672587" y="5742080"/>
+                <a:ext cx="461160" cy="277920"/>
+              </a:xfrm>
+              <a:prstGeom prst="rect">
+                <a:avLst/>
+              </a:prstGeom>
+            </p:spPr>
+          </p:pic>
+        </mc:Fallback>
+      </mc:AlternateContent>
+      <mc:AlternateContent xmlns:mc="http://schemas.openxmlformats.org/markup-compatibility/2006" xmlns:p14="http://schemas.microsoft.com/office/powerpoint/2010/main">
+        <mc:Choice Requires="p14">
+          <p:contentPart p14:bwMode="auto" r:id="rId6">
+            <p14:nvContentPartPr>
+              <p14:cNvPr id="9" name="Ink 9">
+                <a:extLst>
+                  <a:ext uri="{FF2B5EF4-FFF2-40B4-BE49-F238E27FC236}">
+                    <a16:creationId xmlns:a16="http://schemas.microsoft.com/office/drawing/2014/main" id="{D6D907CD-0368-A4C0-A9E5-F5280E193336}"/>
+                  </a:ext>
+                </a:extLst>
+              </p14:cNvPr>
+              <p14:cNvContentPartPr/>
+              <p14:nvPr/>
+            </p14:nvContentPartPr>
+            <p14:xfrm>
+              <a:off x="8367787" y="5693480"/>
+              <a:ext cx="437760" cy="219240"/>
+            </p14:xfrm>
+          </p:contentPart>
+        </mc:Choice>
+        <mc:Fallback xmlns="">
+          <p:pic>
+            <p:nvPicPr>
+              <p:cNvPr id="9" name="Ink 9">
+                <a:extLst>
+                  <a:ext uri="{FF2B5EF4-FFF2-40B4-BE49-F238E27FC236}">
+                    <a16:creationId xmlns:a16="http://schemas.microsoft.com/office/drawing/2014/main" id="{D6D907CD-0368-A4C0-A9E5-F5280E193336}"/>
+                  </a:ext>
+                </a:extLst>
+              </p:cNvPr>
+              <p:cNvPicPr/>
+              <p:nvPr/>
+            </p:nvPicPr>
+            <p:blipFill>
+              <a:blip r:embed="rId7"/>
+              <a:stretch>
+                <a:fillRect/>
+              </a:stretch>
+            </p:blipFill>
+            <p:spPr>
+              <a:xfrm>
+                <a:off x="8352307" y="5678360"/>
+                <a:ext cx="468360" cy="249480"/>
+              </a:xfrm>
+              <a:prstGeom prst="rect">
+                <a:avLst/>
+              </a:prstGeom>
+            </p:spPr>
+          </p:pic>
+        </mc:Fallback>
+      </mc:AlternateContent>
+      <mc:AlternateContent xmlns:mc="http://schemas.openxmlformats.org/markup-compatibility/2006" xmlns:p14="http://schemas.microsoft.com/office/powerpoint/2010/main">
+        <mc:Choice Requires="p14">
+          <p:contentPart p14:bwMode="auto" r:id="rId8">
+            <p14:nvContentPartPr>
+              <p14:cNvPr id="33" name="Ink 36">
+                <a:extLst>
+                  <a:ext uri="{FF2B5EF4-FFF2-40B4-BE49-F238E27FC236}">
+                    <a16:creationId xmlns:a16="http://schemas.microsoft.com/office/drawing/2014/main" id="{B374253D-BB6E-AA1D-0CB4-076BC359A91B}"/>
+                  </a:ext>
+                </a:extLst>
+              </p14:cNvPr>
+              <p14:cNvContentPartPr/>
+              <p14:nvPr/>
+            </p14:nvContentPartPr>
+            <p14:xfrm>
+              <a:off x="4691827" y="850400"/>
+              <a:ext cx="889200" cy="452160"/>
+            </p14:xfrm>
+          </p:contentPart>
+        </mc:Choice>
+        <mc:Fallback xmlns="">
+          <p:pic>
+            <p:nvPicPr>
+              <p:cNvPr id="33" name="Ink 36">
+                <a:extLst>
+                  <a:ext uri="{FF2B5EF4-FFF2-40B4-BE49-F238E27FC236}">
+                    <a16:creationId xmlns:a16="http://schemas.microsoft.com/office/drawing/2014/main" id="{B374253D-BB6E-AA1D-0CB4-076BC359A91B}"/>
+                  </a:ext>
+                </a:extLst>
+              </p:cNvPr>
+              <p:cNvPicPr/>
+              <p:nvPr/>
+            </p:nvPicPr>
+            <p:blipFill>
+              <a:blip r:embed="rId9"/>
+              <a:stretch>
+                <a:fillRect/>
+              </a:stretch>
+            </p:blipFill>
+            <p:spPr>
+              <a:xfrm>
+                <a:off x="4676347" y="835268"/>
+                <a:ext cx="919800" cy="482784"/>
+              </a:xfrm>
+              <a:prstGeom prst="rect">
+                <a:avLst/>
+              </a:prstGeom>
+            </p:spPr>
+          </p:pic>
+        </mc:Fallback>
+      </mc:AlternateContent>
+      <mc:AlternateContent xmlns:mc="http://schemas.openxmlformats.org/markup-compatibility/2006" xmlns:p14="http://schemas.microsoft.com/office/powerpoint/2010/main">
+        <mc:Choice Requires="p14">
+          <p:contentPart p14:bwMode="auto" r:id="rId10">
+            <p14:nvContentPartPr>
+              <p14:cNvPr id="34" name="Ink 36">
+                <a:extLst>
+                  <a:ext uri="{FF2B5EF4-FFF2-40B4-BE49-F238E27FC236}">
+                    <a16:creationId xmlns:a16="http://schemas.microsoft.com/office/drawing/2014/main" id="{0FD29FD4-B580-AB72-C656-738CF3EDB200}"/>
+                  </a:ext>
+                </a:extLst>
+              </p14:cNvPr>
+              <p14:cNvContentPartPr/>
+              <p14:nvPr/>
+            </p14:nvContentPartPr>
+            <p14:xfrm>
+              <a:off x="3739267" y="793880"/>
+              <a:ext cx="621360" cy="476280"/>
+            </p14:xfrm>
+          </p:contentPart>
+        </mc:Choice>
+        <mc:Fallback xmlns="">
+          <p:pic>
+            <p:nvPicPr>
+              <p:cNvPr id="34" name="Ink 36">
+                <a:extLst>
+                  <a:ext uri="{FF2B5EF4-FFF2-40B4-BE49-F238E27FC236}">
+                    <a16:creationId xmlns:a16="http://schemas.microsoft.com/office/drawing/2014/main" id="{0FD29FD4-B580-AB72-C656-738CF3EDB200}"/>
+                  </a:ext>
+                </a:extLst>
+              </p:cNvPr>
+              <p:cNvPicPr/>
+              <p:nvPr/>
+            </p:nvPicPr>
+            <p:blipFill>
+              <a:blip r:embed="rId11"/>
+              <a:stretch>
+                <a:fillRect/>
+              </a:stretch>
+            </p:blipFill>
+            <p:spPr>
+              <a:xfrm>
+                <a:off x="3724147" y="778760"/>
+                <a:ext cx="651600" cy="506880"/>
+              </a:xfrm>
+              <a:prstGeom prst="rect">
+                <a:avLst/>
+              </a:prstGeom>
+            </p:spPr>
+          </p:pic>
+        </mc:Fallback>
+      </mc:AlternateContent>
+      <mc:AlternateContent xmlns:mc="http://schemas.openxmlformats.org/markup-compatibility/2006" xmlns:p14="http://schemas.microsoft.com/office/powerpoint/2010/main">
+        <mc:Choice Requires="p14">
+          <p:contentPart p14:bwMode="auto" r:id="rId12">
+            <p14:nvContentPartPr>
+              <p14:cNvPr id="35" name="Ink 36">
+                <a:extLst>
+                  <a:ext uri="{FF2B5EF4-FFF2-40B4-BE49-F238E27FC236}">
+                    <a16:creationId xmlns:a16="http://schemas.microsoft.com/office/drawing/2014/main" id="{87A68B8F-793C-8104-08AB-FCF63EC8315B}"/>
+                  </a:ext>
+                </a:extLst>
+              </p14:cNvPr>
+              <p14:cNvContentPartPr/>
+              <p14:nvPr/>
+            </p14:nvContentPartPr>
+            <p14:xfrm>
+              <a:off x="2702107" y="807920"/>
+              <a:ext cx="677520" cy="546120"/>
+            </p14:xfrm>
+          </p:contentPart>
+        </mc:Choice>
+        <mc:Fallback xmlns="">
+          <p:pic>
+            <p:nvPicPr>
+              <p:cNvPr id="35" name="Ink 36">
+                <a:extLst>
+                  <a:ext uri="{FF2B5EF4-FFF2-40B4-BE49-F238E27FC236}">
+                    <a16:creationId xmlns:a16="http://schemas.microsoft.com/office/drawing/2014/main" id="{87A68B8F-793C-8104-08AB-FCF63EC8315B}"/>
+                  </a:ext>
+                </a:extLst>
+              </p:cNvPr>
+              <p:cNvPicPr/>
+              <p:nvPr/>
+            </p:nvPicPr>
+            <p:blipFill>
+              <a:blip r:embed="rId13"/>
+              <a:stretch>
+                <a:fillRect/>
+              </a:stretch>
+            </p:blipFill>
+            <p:spPr>
+              <a:xfrm>
+                <a:off x="2686987" y="792800"/>
+                <a:ext cx="708120" cy="576360"/>
+              </a:xfrm>
+              <a:prstGeom prst="rect">
+                <a:avLst/>
+              </a:prstGeom>
+            </p:spPr>
+          </p:pic>
+        </mc:Fallback>
+      </mc:AlternateContent>
+      <mc:AlternateContent xmlns:mc="http://schemas.openxmlformats.org/markup-compatibility/2006" xmlns:p14="http://schemas.microsoft.com/office/powerpoint/2010/main">
+        <mc:Choice Requires="p14">
+          <p:contentPart p14:bwMode="auto" r:id="rId14">
+            <p14:nvContentPartPr>
+              <p14:cNvPr id="36" name="Ink 36">
+                <a:extLst>
+                  <a:ext uri="{FF2B5EF4-FFF2-40B4-BE49-F238E27FC236}">
+                    <a16:creationId xmlns:a16="http://schemas.microsoft.com/office/drawing/2014/main" id="{8DA98B33-687C-253E-AE9F-3E47A9082FD7}"/>
+                  </a:ext>
+                </a:extLst>
+              </p14:cNvPr>
+              <p14:cNvContentPartPr/>
+              <p14:nvPr/>
+            </p14:nvContentPartPr>
+            <p14:xfrm>
+              <a:off x="1749547" y="959480"/>
+              <a:ext cx="649440" cy="331920"/>
+            </p14:xfrm>
+          </p:contentPart>
+        </mc:Choice>
+        <mc:Fallback xmlns="">
+          <p:pic>
+            <p:nvPicPr>
+              <p:cNvPr id="36" name="Ink 36">
+                <a:extLst>
+                  <a:ext uri="{FF2B5EF4-FFF2-40B4-BE49-F238E27FC236}">
+                    <a16:creationId xmlns:a16="http://schemas.microsoft.com/office/drawing/2014/main" id="{8DA98B33-687C-253E-AE9F-3E47A9082FD7}"/>
+                  </a:ext>
+                </a:extLst>
+              </p:cNvPr>
+              <p:cNvPicPr/>
+              <p:nvPr/>
+            </p:nvPicPr>
+            <p:blipFill>
+              <a:blip r:embed="rId15"/>
+              <a:stretch>
+                <a:fillRect/>
+              </a:stretch>
+            </p:blipFill>
+            <p:spPr>
+              <a:xfrm>
+                <a:off x="1734427" y="944000"/>
+                <a:ext cx="680040" cy="362520"/>
+              </a:xfrm>
+              <a:prstGeom prst="rect">
+                <a:avLst/>
+              </a:prstGeom>
+            </p:spPr>
+          </p:pic>
+        </mc:Fallback>
+      </mc:AlternateContent>
+      <mc:AlternateContent xmlns:mc="http://schemas.openxmlformats.org/markup-compatibility/2006" xmlns:p14="http://schemas.microsoft.com/office/powerpoint/2010/main">
+        <mc:Choice Requires="p14">
+          <p:contentPart p14:bwMode="auto" r:id="rId16">
+            <p14:nvContentPartPr>
+              <p14:cNvPr id="54" name="Ink 53">
+                <a:extLst>
+                  <a:ext uri="{FF2B5EF4-FFF2-40B4-BE49-F238E27FC236}">
+                    <a16:creationId xmlns:a16="http://schemas.microsoft.com/office/drawing/2014/main" id="{99E56395-5A76-B3EC-D6D6-98946D44B994}"/>
+                  </a:ext>
+                </a:extLst>
+              </p14:cNvPr>
+              <p14:cNvContentPartPr/>
+              <p14:nvPr/>
+            </p14:nvContentPartPr>
+            <p14:xfrm>
+              <a:off x="2381347" y="5532920"/>
+              <a:ext cx="988200" cy="680040"/>
+            </p14:xfrm>
+          </p:contentPart>
+        </mc:Choice>
+        <mc:Fallback xmlns="">
+          <p:pic>
+            <p:nvPicPr>
+              <p:cNvPr id="54" name="Ink 53">
+                <a:extLst>
+                  <a:ext uri="{FF2B5EF4-FFF2-40B4-BE49-F238E27FC236}">
+                    <a16:creationId xmlns:a16="http://schemas.microsoft.com/office/drawing/2014/main" id="{99E56395-5A76-B3EC-D6D6-98946D44B994}"/>
+                  </a:ext>
+                </a:extLst>
+              </p:cNvPr>
+              <p:cNvPicPr/>
+              <p:nvPr/>
+            </p:nvPicPr>
+            <p:blipFill>
+              <a:blip r:embed="rId17"/>
+              <a:stretch>
+                <a:fillRect/>
+              </a:stretch>
+            </p:blipFill>
+            <p:spPr>
+              <a:xfrm>
+                <a:off x="2366227" y="5517800"/>
+                <a:ext cx="1018800" cy="710640"/>
+              </a:xfrm>
+              <a:prstGeom prst="rect">
+                <a:avLst/>
+              </a:prstGeom>
+            </p:spPr>
+          </p:pic>
+        </mc:Fallback>
+      </mc:AlternateContent>
+      <mc:AlternateContent xmlns:mc="http://schemas.openxmlformats.org/markup-compatibility/2006" xmlns:p14="http://schemas.microsoft.com/office/powerpoint/2010/main">
+        <mc:Choice Requires="p14">
+          <p:contentPart p14:bwMode="auto" r:id="rId18">
+            <p14:nvContentPartPr>
+              <p14:cNvPr id="55" name="Ink 54">
+                <a:extLst>
+                  <a:ext uri="{FF2B5EF4-FFF2-40B4-BE49-F238E27FC236}">
+                    <a16:creationId xmlns:a16="http://schemas.microsoft.com/office/drawing/2014/main" id="{B7193ACF-6FED-773F-2502-7EF5161E7978}"/>
+                  </a:ext>
+                </a:extLst>
+              </p14:cNvPr>
+              <p14:cNvContentPartPr/>
+              <p14:nvPr/>
+            </p14:nvContentPartPr>
+            <p14:xfrm>
+              <a:off x="7958467" y="5481800"/>
+              <a:ext cx="1100880" cy="768600"/>
+            </p14:xfrm>
+          </p:contentPart>
+        </mc:Choice>
+        <mc:Fallback xmlns="">
+          <p:pic>
+            <p:nvPicPr>
+              <p:cNvPr id="55" name="Ink 54">
+                <a:extLst>
+                  <a:ext uri="{FF2B5EF4-FFF2-40B4-BE49-F238E27FC236}">
+                    <a16:creationId xmlns:a16="http://schemas.microsoft.com/office/drawing/2014/main" id="{B7193ACF-6FED-773F-2502-7EF5161E7978}"/>
+                  </a:ext>
+                </a:extLst>
+              </p:cNvPr>
+              <p:cNvPicPr/>
+              <p:nvPr/>
+            </p:nvPicPr>
+            <p:blipFill>
+              <a:blip r:embed="rId19"/>
+              <a:stretch>
+                <a:fillRect/>
+              </a:stretch>
+            </p:blipFill>
+            <p:spPr>
+              <a:xfrm>
+                <a:off x="7943347" y="5466680"/>
+                <a:ext cx="1131480" cy="799200"/>
+              </a:xfrm>
+              <a:prstGeom prst="rect">
+                <a:avLst/>
+              </a:prstGeom>
+            </p:spPr>
+          </p:pic>
+        </mc:Fallback>
+      </mc:AlternateContent>
+      <mc:AlternateContent xmlns:mc="http://schemas.openxmlformats.org/markup-compatibility/2006" xmlns:p14="http://schemas.microsoft.com/office/powerpoint/2010/main">
+        <mc:Choice Requires="p14">
+          <p:contentPart p14:bwMode="auto" r:id="rId20">
+            <p14:nvContentPartPr>
+              <p14:cNvPr id="60" name="Ink 60">
+                <a:extLst>
+                  <a:ext uri="{FF2B5EF4-FFF2-40B4-BE49-F238E27FC236}">
+                    <a16:creationId xmlns:a16="http://schemas.microsoft.com/office/drawing/2014/main" id="{B4BA9EDC-0045-96F8-AA8B-B13019B52906}"/>
+                  </a:ext>
+                </a:extLst>
+              </p14:cNvPr>
+              <p14:cNvContentPartPr/>
+              <p14:nvPr/>
+            </p14:nvContentPartPr>
+            <p14:xfrm>
+              <a:off x="11140507" y="3273560"/>
+              <a:ext cx="487080" cy="296640"/>
+            </p14:xfrm>
+          </p:contentPart>
+        </mc:Choice>
+        <mc:Fallback xmlns="">
+          <p:pic>
+            <p:nvPicPr>
+              <p:cNvPr id="60" name="Ink 60">
+                <a:extLst>
+                  <a:ext uri="{FF2B5EF4-FFF2-40B4-BE49-F238E27FC236}">
+                    <a16:creationId xmlns:a16="http://schemas.microsoft.com/office/drawing/2014/main" id="{B4BA9EDC-0045-96F8-AA8B-B13019B52906}"/>
+                  </a:ext>
+                </a:extLst>
+              </p:cNvPr>
+              <p:cNvPicPr/>
+              <p:nvPr/>
+            </p:nvPicPr>
+            <p:blipFill>
+              <a:blip r:embed="rId21"/>
+              <a:stretch>
+                <a:fillRect/>
+              </a:stretch>
+            </p:blipFill>
+            <p:spPr>
+              <a:xfrm>
+                <a:off x="11125387" y="3258440"/>
+                <a:ext cx="517680" cy="327240"/>
+              </a:xfrm>
+              <a:prstGeom prst="rect">
+                <a:avLst/>
+              </a:prstGeom>
+            </p:spPr>
+          </p:pic>
+        </mc:Fallback>
+      </mc:AlternateContent>
+      <mc:AlternateContent xmlns:mc="http://schemas.openxmlformats.org/markup-compatibility/2006" xmlns:p14="http://schemas.microsoft.com/office/powerpoint/2010/main">
+        <mc:Choice Requires="p14">
+          <p:contentPart p14:bwMode="auto" r:id="rId22">
+            <p14:nvContentPartPr>
+              <p14:cNvPr id="65" name="Ink 65">
+                <a:extLst>
+                  <a:ext uri="{FF2B5EF4-FFF2-40B4-BE49-F238E27FC236}">
+                    <a16:creationId xmlns:a16="http://schemas.microsoft.com/office/drawing/2014/main" id="{4B4F7C68-F328-7957-3207-4B26707C6965}"/>
+                  </a:ext>
+                </a:extLst>
+              </p14:cNvPr>
+              <p14:cNvContentPartPr/>
+              <p14:nvPr/>
+            </p14:nvContentPartPr>
+            <p14:xfrm>
+              <a:off x="5552587" y="3302000"/>
+              <a:ext cx="451800" cy="331920"/>
+            </p14:xfrm>
+          </p:contentPart>
+        </mc:Choice>
+        <mc:Fallback xmlns="">
+          <p:pic>
+            <p:nvPicPr>
+              <p:cNvPr id="65" name="Ink 65">
+                <a:extLst>
+                  <a:ext uri="{FF2B5EF4-FFF2-40B4-BE49-F238E27FC236}">
+                    <a16:creationId xmlns:a16="http://schemas.microsoft.com/office/drawing/2014/main" id="{4B4F7C68-F328-7957-3207-4B26707C6965}"/>
+                  </a:ext>
+                </a:extLst>
+              </p:cNvPr>
+              <p:cNvPicPr/>
+              <p:nvPr/>
+            </p:nvPicPr>
+            <p:blipFill>
+              <a:blip r:embed="rId23"/>
+              <a:stretch>
+                <a:fillRect/>
+              </a:stretch>
+            </p:blipFill>
+            <p:spPr>
+              <a:xfrm>
+                <a:off x="5537467" y="3286520"/>
+                <a:ext cx="482400" cy="362520"/>
+              </a:xfrm>
+              <a:prstGeom prst="rect">
+                <a:avLst/>
+              </a:prstGeom>
+            </p:spPr>
+          </p:pic>
+        </mc:Fallback>
+      </mc:AlternateContent>
+    </p:spTree>
+    <p:extLst>
+      <p:ext uri="{BB962C8B-B14F-4D97-AF65-F5344CB8AC3E}">
+        <p14:creationId xmlns:p14="http://schemas.microsoft.com/office/powerpoint/2010/main" val="241321608"/>
+      </p:ext>
+    </p:extLst>
+  </p:cSld>
+  <p:clrMapOvr>
+    <a:masterClrMapping/>
+  </p:clrMapOvr>
+</p:sld>
+</file>
+
+<file path=ppt/slides/slide21.xml><?xml version="1.0" encoding="utf-8"?>
+<p:sld xmlns:a="http://schemas.openxmlformats.org/drawingml/2006/main" xmlns:r="http://schemas.openxmlformats.org/officeDocument/2006/relationships" xmlns:p="http://schemas.openxmlformats.org/presentationml/2006/main">
+  <p:cSld>
+    <p:spTree>
+      <p:nvGrpSpPr>
+        <p:cNvPr id="1" name=""/>
+        <p:cNvGrpSpPr/>
+        <p:nvPr/>
+      </p:nvGrpSpPr>
+      <p:grpSpPr>
+        <a:xfrm>
+          <a:off x="0" y="0"/>
+          <a:ext cx="0" cy="0"/>
+          <a:chOff x="0" y="0"/>
+          <a:chExt cx="0" cy="0"/>
+        </a:xfrm>
+      </p:grpSpPr>
+      <p:pic>
+        <p:nvPicPr>
+          <p:cNvPr id="8" name="Picture 7" descr="Shape, polygon&#10;&#10;Description automatically generated">
+            <a:extLst>
+              <a:ext uri="{FF2B5EF4-FFF2-40B4-BE49-F238E27FC236}">
+                <a16:creationId xmlns:a16="http://schemas.microsoft.com/office/drawing/2014/main" id="{B45008CD-00D9-FDED-B525-422A5CAE9B0A}"/>
+              </a:ext>
+            </a:extLst>
+          </p:cNvPr>
+          <p:cNvPicPr>
+            <a:picLocks noChangeAspect="1"/>
+          </p:cNvPicPr>
+          <p:nvPr/>
+        </p:nvPicPr>
+        <p:blipFill>
+          <a:blip r:embed="rId2">
+            <a:extLst>
+              <a:ext uri="{28A0092B-C50C-407E-A947-70E740481C1C}">
+                <a14:useLocalDpi xmlns:a14="http://schemas.microsoft.com/office/drawing/2010/main" val="0"/>
+              </a:ext>
+            </a:extLst>
+          </a:blip>
+          <a:stretch>
+            <a:fillRect/>
+          </a:stretch>
+        </p:blipFill>
+        <p:spPr>
+          <a:xfrm>
+            <a:off x="2286000" y="0"/>
+            <a:ext cx="7620000" cy="6858000"/>
+          </a:xfrm>
+          <a:prstGeom prst="rect">
+            <a:avLst/>
+          </a:prstGeom>
+        </p:spPr>
+      </p:pic>
+    </p:spTree>
+    <p:extLst>
+      <p:ext uri="{BB962C8B-B14F-4D97-AF65-F5344CB8AC3E}">
+        <p14:creationId xmlns:p14="http://schemas.microsoft.com/office/powerpoint/2010/main" val="2519248304"/>
+      </p:ext>
+    </p:extLst>
+  </p:cSld>
+  <p:clrMapOvr>
+    <a:masterClrMapping/>
+  </p:clrMapOvr>
+</p:sld>
+</file>
+
+<file path=ppt/slides/slide22.xml><?xml version="1.0" encoding="utf-8"?>
+<p:sld xmlns:a="http://schemas.openxmlformats.org/drawingml/2006/main" xmlns:r="http://schemas.openxmlformats.org/officeDocument/2006/relationships" xmlns:p="http://schemas.openxmlformats.org/presentationml/2006/main">
+  <p:cSld>
+    <p:spTree>
+      <p:nvGrpSpPr>
+        <p:cNvPr id="1" name=""/>
+        <p:cNvGrpSpPr/>
+        <p:nvPr/>
+      </p:nvGrpSpPr>
+      <p:grpSpPr>
+        <a:xfrm>
+          <a:off x="0" y="0"/>
+          <a:ext cx="0" cy="0"/>
+          <a:chOff x="0" y="0"/>
+          <a:chExt cx="0" cy="0"/>
+        </a:xfrm>
+      </p:grpSpPr>
+      <p:pic>
+        <p:nvPicPr>
+          <p:cNvPr id="3" name="Picture 2" descr="Shape, polygon&#10;&#10;Description automatically generated">
+            <a:extLst>
+              <a:ext uri="{FF2B5EF4-FFF2-40B4-BE49-F238E27FC236}">
+                <a16:creationId xmlns:a16="http://schemas.microsoft.com/office/drawing/2014/main" id="{7C290FCF-FDA0-F849-E1DF-1B114F48E10E}"/>
+              </a:ext>
+            </a:extLst>
+          </p:cNvPr>
+          <p:cNvPicPr>
+            <a:picLocks noChangeAspect="1"/>
+          </p:cNvPicPr>
+          <p:nvPr/>
+        </p:nvPicPr>
+        <p:blipFill>
+          <a:blip r:embed="rId2">
+            <a:extLst>
+              <a:ext uri="{28A0092B-C50C-407E-A947-70E740481C1C}">
+                <a14:useLocalDpi xmlns:a14="http://schemas.microsoft.com/office/drawing/2010/main" val="0"/>
+              </a:ext>
+            </a:extLst>
+          </a:blip>
+          <a:stretch>
+            <a:fillRect/>
+          </a:stretch>
+        </p:blipFill>
+        <p:spPr>
+          <a:xfrm>
+            <a:off x="2286000" y="0"/>
+            <a:ext cx="7620000" cy="6858000"/>
+          </a:xfrm>
+          <a:prstGeom prst="rect">
+            <a:avLst/>
+          </a:prstGeom>
+        </p:spPr>
+      </p:pic>
+    </p:spTree>
+    <p:extLst>
+      <p:ext uri="{BB962C8B-B14F-4D97-AF65-F5344CB8AC3E}">
+        <p14:creationId xmlns:p14="http://schemas.microsoft.com/office/powerpoint/2010/main" val="2602044427"/>
+      </p:ext>
+    </p:extLst>
+  </p:cSld>
+  <p:clrMapOvr>
+    <a:masterClrMapping/>
+  </p:clrMapOvr>
+</p:sld>
+</file>
+
+<file path=ppt/slides/slide23.xml><?xml version="1.0" encoding="utf-8"?>
+<p:sld xmlns:a="http://schemas.openxmlformats.org/drawingml/2006/main" xmlns:r="http://schemas.openxmlformats.org/officeDocument/2006/relationships" xmlns:p="http://schemas.openxmlformats.org/presentationml/2006/main">
+  <p:cSld>
+    <p:spTree>
+      <p:nvGrpSpPr>
+        <p:cNvPr id="1" name=""/>
+        <p:cNvGrpSpPr/>
+        <p:nvPr/>
+      </p:nvGrpSpPr>
+      <p:grpSpPr>
+        <a:xfrm>
+          <a:off x="0" y="0"/>
+          <a:ext cx="0" cy="0"/>
+          <a:chOff x="0" y="0"/>
+          <a:chExt cx="0" cy="0"/>
+        </a:xfrm>
+      </p:grpSpPr>
+      <p:pic>
+        <p:nvPicPr>
+          <p:cNvPr id="3" name="Picture 2">
+            <a:extLst>
+              <a:ext uri="{FF2B5EF4-FFF2-40B4-BE49-F238E27FC236}">
+                <a16:creationId xmlns:a16="http://schemas.microsoft.com/office/drawing/2014/main" id="{48EBC185-56B2-9843-4A59-0E803BAE9917}"/>
+              </a:ext>
+            </a:extLst>
+          </p:cNvPr>
+          <p:cNvPicPr>
+            <a:picLocks noChangeAspect="1"/>
+          </p:cNvPicPr>
+          <p:nvPr/>
+        </p:nvPicPr>
+        <p:blipFill>
+          <a:blip r:embed="rId2"/>
+          <a:stretch>
+            <a:fillRect/>
+          </a:stretch>
+        </p:blipFill>
+        <p:spPr>
+          <a:xfrm>
+            <a:off x="1757361" y="466725"/>
+            <a:ext cx="8677275" cy="2962275"/>
+          </a:xfrm>
+          <a:prstGeom prst="rect">
+            <a:avLst/>
+          </a:prstGeom>
+        </p:spPr>
+      </p:pic>
+      <p:pic>
+        <p:nvPicPr>
+          <p:cNvPr id="5" name="Picture 4">
+            <a:extLst>
+              <a:ext uri="{FF2B5EF4-FFF2-40B4-BE49-F238E27FC236}">
+                <a16:creationId xmlns:a16="http://schemas.microsoft.com/office/drawing/2014/main" id="{88072E27-F32E-8C84-60D3-C2C866308C67}"/>
+              </a:ext>
+            </a:extLst>
+          </p:cNvPr>
+          <p:cNvPicPr>
+            <a:picLocks noChangeAspect="1"/>
+          </p:cNvPicPr>
+          <p:nvPr/>
+        </p:nvPicPr>
+        <p:blipFill>
+          <a:blip r:embed="rId3"/>
+          <a:stretch>
+            <a:fillRect/>
+          </a:stretch>
+        </p:blipFill>
+        <p:spPr>
+          <a:xfrm>
+            <a:off x="1757362" y="3627034"/>
+            <a:ext cx="8677275" cy="2962275"/>
+          </a:xfrm>
+          <a:prstGeom prst="rect">
+            <a:avLst/>
+          </a:prstGeom>
+        </p:spPr>
+      </p:pic>
+    </p:spTree>
+    <p:extLst>
+      <p:ext uri="{BB962C8B-B14F-4D97-AF65-F5344CB8AC3E}">
+        <p14:creationId xmlns:p14="http://schemas.microsoft.com/office/powerpoint/2010/main" val="2550988469"/>
+      </p:ext>
+    </p:extLst>
+  </p:cSld>
+  <p:clrMapOvr>
+    <a:masterClrMapping/>
+  </p:clrMapOvr>
+</p:sld>
+</file>
+
+<file path=ppt/slides/slide24.xml><?xml version="1.0" encoding="utf-8"?>
+<p:sld xmlns:a="http://schemas.openxmlformats.org/drawingml/2006/main" xmlns:r="http://schemas.openxmlformats.org/officeDocument/2006/relationships" xmlns:p="http://schemas.openxmlformats.org/presentationml/2006/main">
+  <p:cSld>
+    <p:bg>
+      <p:bgPr>
+        <a:solidFill>
+          <a:schemeClr val="bg1"/>
+        </a:solidFill>
+        <a:effectLst/>
+      </p:bgPr>
+    </p:bg>
+    <p:spTree>
+      <p:nvGrpSpPr>
+        <p:cNvPr id="1" name=""/>
+        <p:cNvGrpSpPr/>
+        <p:nvPr/>
+      </p:nvGrpSpPr>
+      <p:grpSpPr>
+        <a:xfrm>
+          <a:off x="0" y="0"/>
+          <a:ext cx="0" cy="0"/>
+          <a:chOff x="0" y="0"/>
+          <a:chExt cx="0" cy="0"/>
+        </a:xfrm>
+      </p:grpSpPr>
+      <p:pic>
+        <p:nvPicPr>
+          <p:cNvPr id="7" name="Picture 6" descr="Chart, box and whisker chart&#10;&#10;Description automatically generated">
+            <a:extLst>
+              <a:ext uri="{FF2B5EF4-FFF2-40B4-BE49-F238E27FC236}">
+                <a16:creationId xmlns:a16="http://schemas.microsoft.com/office/drawing/2014/main" id="{BD1F0EA7-278E-008A-47E7-E2ED9B1BD94A}"/>
+              </a:ext>
+            </a:extLst>
+          </p:cNvPr>
+          <p:cNvPicPr>
+            <a:picLocks noChangeAspect="1"/>
+          </p:cNvPicPr>
+          <p:nvPr/>
+        </p:nvPicPr>
+        <p:blipFill>
+          <a:blip r:embed="rId2"/>
+          <a:stretch>
+            <a:fillRect/>
+          </a:stretch>
+        </p:blipFill>
+        <p:spPr>
+          <a:xfrm>
+            <a:off x="1767235" y="643466"/>
+            <a:ext cx="8657530" cy="5571067"/>
+          </a:xfrm>
+          <a:prstGeom prst="rect">
+            <a:avLst/>
+          </a:prstGeom>
+        </p:spPr>
+      </p:pic>
+    </p:spTree>
+    <p:extLst>
+      <p:ext uri="{BB962C8B-B14F-4D97-AF65-F5344CB8AC3E}">
+        <p14:creationId xmlns:p14="http://schemas.microsoft.com/office/powerpoint/2010/main" val="2458434692"/>
+      </p:ext>
+    </p:extLst>
+  </p:cSld>
+  <p:clrMapOvr>
+    <a:masterClrMapping/>
+  </p:clrMapOvr>
+</p:sld>
+</file>
+
+<file path=ppt/slides/slide25.xml><?xml version="1.0" encoding="utf-8"?>
+<p:sld xmlns:a="http://schemas.openxmlformats.org/drawingml/2006/main" xmlns:r="http://schemas.openxmlformats.org/officeDocument/2006/relationships" xmlns:p="http://schemas.openxmlformats.org/presentationml/2006/main">
+  <p:cSld>
+    <p:spTree>
+      <p:nvGrpSpPr>
+        <p:cNvPr id="1" name=""/>
+        <p:cNvGrpSpPr/>
+        <p:nvPr/>
+      </p:nvGrpSpPr>
+      <p:grpSpPr>
+        <a:xfrm>
+          <a:off x="0" y="0"/>
+          <a:ext cx="0" cy="0"/>
+          <a:chOff x="0" y="0"/>
+          <a:chExt cx="0" cy="0"/>
+        </a:xfrm>
+      </p:grpSpPr>
+      <p:sp>
+        <p:nvSpPr>
+          <p:cNvPr id="2" name="Title 1">
+            <a:extLst>
+              <a:ext uri="{FF2B5EF4-FFF2-40B4-BE49-F238E27FC236}">
+                <a16:creationId xmlns:a16="http://schemas.microsoft.com/office/drawing/2014/main" id="{0249375A-446F-4674-A159-894A963A9665}"/>
+              </a:ext>
+            </a:extLst>
+          </p:cNvPr>
+          <p:cNvSpPr>
+            <a:spLocks noGrp="1"/>
+          </p:cNvSpPr>
+          <p:nvPr>
+            <p:ph type="title"/>
+          </p:nvPr>
+        </p:nvSpPr>
+        <p:spPr/>
+        <p:txBody>
+          <a:bodyPr/>
+          <a:lstStyle/>
+          <a:p>
+            <a:r>
+              <a:rPr lang="en-US" dirty="0"/>
+              <a:t>Winter 2022-2023</a:t>
+            </a:r>
+            <a:br>
+              <a:rPr lang="en-US" dirty="0"/>
+            </a:br>
+            <a:r>
+              <a:rPr lang="en-US" dirty="0"/>
+              <a:t>Snow/LAI Comparisons </a:t>
+            </a:r>
+          </a:p>
+        </p:txBody>
+      </p:sp>
+      <p:sp>
+        <p:nvSpPr>
+          <p:cNvPr id="3" name="Text Placeholder 2">
+            <a:extLst>
+              <a:ext uri="{FF2B5EF4-FFF2-40B4-BE49-F238E27FC236}">
+                <a16:creationId xmlns:a16="http://schemas.microsoft.com/office/drawing/2014/main" id="{3A56FBAF-6369-3779-D1FA-DC65A4ECB923}"/>
+              </a:ext>
+            </a:extLst>
+          </p:cNvPr>
+          <p:cNvSpPr>
+            <a:spLocks noGrp="1"/>
+          </p:cNvSpPr>
+          <p:nvPr>
+            <p:ph type="body" idx="1"/>
+          </p:nvPr>
+        </p:nvSpPr>
+        <p:spPr/>
+        <p:txBody>
+          <a:bodyPr/>
+          <a:lstStyle/>
+          <a:p>
+            <a:endParaRPr lang="en-US"/>
+          </a:p>
+        </p:txBody>
+      </p:sp>
+    </p:spTree>
+    <p:extLst>
+      <p:ext uri="{BB962C8B-B14F-4D97-AF65-F5344CB8AC3E}">
+        <p14:creationId xmlns:p14="http://schemas.microsoft.com/office/powerpoint/2010/main" val="1141503737"/>
+      </p:ext>
+    </p:extLst>
+  </p:cSld>
+  <p:clrMapOvr>
+    <a:masterClrMapping/>
+  </p:clrMapOvr>
+</p:sld>
+</file>
+
+<file path=ppt/slides/slide26.xml><?xml version="1.0" encoding="utf-8"?>
+<p:sld xmlns:a="http://schemas.openxmlformats.org/drawingml/2006/main" xmlns:r="http://schemas.openxmlformats.org/officeDocument/2006/relationships" xmlns:p="http://schemas.openxmlformats.org/presentationml/2006/main">
+  <p:cSld>
+    <p:spTree>
+      <p:nvGrpSpPr>
+        <p:cNvPr id="1" name=""/>
+        <p:cNvGrpSpPr/>
+        <p:nvPr/>
+      </p:nvGrpSpPr>
+      <p:grpSpPr>
+        <a:xfrm>
+          <a:off x="0" y="0"/>
+          <a:ext cx="0" cy="0"/>
+          <a:chOff x="0" y="0"/>
+          <a:chExt cx="0" cy="0"/>
+        </a:xfrm>
+      </p:grpSpPr>
+      <p:pic>
+        <p:nvPicPr>
+          <p:cNvPr id="3" name="Picture 2">
+            <a:extLst>
+              <a:ext uri="{FF2B5EF4-FFF2-40B4-BE49-F238E27FC236}">
+                <a16:creationId xmlns:a16="http://schemas.microsoft.com/office/drawing/2014/main" id="{A65A0415-BF9F-C2DE-8398-AFAB1248CF23}"/>
+              </a:ext>
+            </a:extLst>
+          </p:cNvPr>
+          <p:cNvPicPr>
+            <a:picLocks noChangeAspect="1"/>
+          </p:cNvPicPr>
+          <p:nvPr/>
+        </p:nvPicPr>
+        <p:blipFill>
+          <a:blip r:embed="rId2"/>
+          <a:stretch>
+            <a:fillRect/>
+          </a:stretch>
+        </p:blipFill>
+        <p:spPr>
+          <a:xfrm>
+            <a:off x="0" y="485913"/>
+            <a:ext cx="12192000" cy="5886174"/>
+          </a:xfrm>
+          <a:prstGeom prst="rect">
+            <a:avLst/>
+          </a:prstGeom>
+        </p:spPr>
+      </p:pic>
+    </p:spTree>
+    <p:extLst>
+      <p:ext uri="{BB962C8B-B14F-4D97-AF65-F5344CB8AC3E}">
+        <p14:creationId xmlns:p14="http://schemas.microsoft.com/office/powerpoint/2010/main" val="3445630932"/>
       </p:ext>
     </p:extLst>
   </p:cSld>

--- a/Figures/Figure Log.pptx
+++ b/Figures/Figure Log.pptx
@@ -31,6 +31,7 @@
     <p:sldId id="283" r:id="rId25"/>
     <p:sldId id="280" r:id="rId26"/>
     <p:sldId id="281" r:id="rId27"/>
+    <p:sldId id="285" r:id="rId28"/>
   </p:sldIdLst>
   <p:sldSz cx="12192000" cy="6858000"/>
   <p:notesSz cx="6858000" cy="9144000"/>
@@ -4692,7 +4693,7 @@
           <a:p>
             <a:fld id="{E13F3F2A-D55A-4616-9766-A8DD61F0FA8A}" type="datetimeFigureOut">
               <a:rPr lang="en-US" smtClean="0"/>
-              <a:t>3/21/2023</a:t>
+              <a:t>3/23/2023</a:t>
             </a:fld>
             <a:endParaRPr lang="en-US"/>
           </a:p>
@@ -4890,7 +4891,7 @@
           <a:p>
             <a:fld id="{E13F3F2A-D55A-4616-9766-A8DD61F0FA8A}" type="datetimeFigureOut">
               <a:rPr lang="en-US" smtClean="0"/>
-              <a:t>3/21/2023</a:t>
+              <a:t>3/23/2023</a:t>
             </a:fld>
             <a:endParaRPr lang="en-US"/>
           </a:p>
@@ -5098,7 +5099,7 @@
           <a:p>
             <a:fld id="{E13F3F2A-D55A-4616-9766-A8DD61F0FA8A}" type="datetimeFigureOut">
               <a:rPr lang="en-US" smtClean="0"/>
-              <a:t>3/21/2023</a:t>
+              <a:t>3/23/2023</a:t>
             </a:fld>
             <a:endParaRPr lang="en-US"/>
           </a:p>
@@ -5296,7 +5297,7 @@
           <a:p>
             <a:fld id="{E13F3F2A-D55A-4616-9766-A8DD61F0FA8A}" type="datetimeFigureOut">
               <a:rPr lang="en-US" smtClean="0"/>
-              <a:t>3/21/2023</a:t>
+              <a:t>3/23/2023</a:t>
             </a:fld>
             <a:endParaRPr lang="en-US"/>
           </a:p>
@@ -5571,7 +5572,7 @@
           <a:p>
             <a:fld id="{E13F3F2A-D55A-4616-9766-A8DD61F0FA8A}" type="datetimeFigureOut">
               <a:rPr lang="en-US" smtClean="0"/>
-              <a:t>3/21/2023</a:t>
+              <a:t>3/23/2023</a:t>
             </a:fld>
             <a:endParaRPr lang="en-US"/>
           </a:p>
@@ -5836,7 +5837,7 @@
           <a:p>
             <a:fld id="{E13F3F2A-D55A-4616-9766-A8DD61F0FA8A}" type="datetimeFigureOut">
               <a:rPr lang="en-US" smtClean="0"/>
-              <a:t>3/21/2023</a:t>
+              <a:t>3/23/2023</a:t>
             </a:fld>
             <a:endParaRPr lang="en-US"/>
           </a:p>
@@ -6248,7 +6249,7 @@
           <a:p>
             <a:fld id="{E13F3F2A-D55A-4616-9766-A8DD61F0FA8A}" type="datetimeFigureOut">
               <a:rPr lang="en-US" smtClean="0"/>
-              <a:t>3/21/2023</a:t>
+              <a:t>3/23/2023</a:t>
             </a:fld>
             <a:endParaRPr lang="en-US"/>
           </a:p>
@@ -6389,7 +6390,7 @@
           <a:p>
             <a:fld id="{E13F3F2A-D55A-4616-9766-A8DD61F0FA8A}" type="datetimeFigureOut">
               <a:rPr lang="en-US" smtClean="0"/>
-              <a:t>3/21/2023</a:t>
+              <a:t>3/23/2023</a:t>
             </a:fld>
             <a:endParaRPr lang="en-US"/>
           </a:p>
@@ -6502,7 +6503,7 @@
           <a:p>
             <a:fld id="{E13F3F2A-D55A-4616-9766-A8DD61F0FA8A}" type="datetimeFigureOut">
               <a:rPr lang="en-US" smtClean="0"/>
-              <a:t>3/21/2023</a:t>
+              <a:t>3/23/2023</a:t>
             </a:fld>
             <a:endParaRPr lang="en-US"/>
           </a:p>
@@ -6813,7 +6814,7 @@
           <a:p>
             <a:fld id="{E13F3F2A-D55A-4616-9766-A8DD61F0FA8A}" type="datetimeFigureOut">
               <a:rPr lang="en-US" smtClean="0"/>
-              <a:t>3/21/2023</a:t>
+              <a:t>3/23/2023</a:t>
             </a:fld>
             <a:endParaRPr lang="en-US"/>
           </a:p>
@@ -7101,7 +7102,7 @@
           <a:p>
             <a:fld id="{E13F3F2A-D55A-4616-9766-A8DD61F0FA8A}" type="datetimeFigureOut">
               <a:rPr lang="en-US" smtClean="0"/>
-              <a:t>3/21/2023</a:t>
+              <a:t>3/23/2023</a:t>
             </a:fld>
             <a:endParaRPr lang="en-US"/>
           </a:p>
@@ -7342,7 +7343,7 @@
           <a:p>
             <a:fld id="{E13F3F2A-D55A-4616-9766-A8DD61F0FA8A}" type="datetimeFigureOut">
               <a:rPr lang="en-US" smtClean="0"/>
-              <a:t>3/21/2023</a:t>
+              <a:t>3/23/2023</a:t>
             </a:fld>
             <a:endParaRPr lang="en-US"/>
           </a:p>
@@ -15606,6 +15607,66 @@
 </p:sld>
 </file>
 
+<file path=ppt/slides/slide27.xml><?xml version="1.0" encoding="utf-8"?>
+<p:sld xmlns:a="http://schemas.openxmlformats.org/drawingml/2006/main" xmlns:r="http://schemas.openxmlformats.org/officeDocument/2006/relationships" xmlns:p="http://schemas.openxmlformats.org/presentationml/2006/main">
+  <p:cSld>
+    <p:spTree>
+      <p:nvGrpSpPr>
+        <p:cNvPr id="1" name=""/>
+        <p:cNvGrpSpPr/>
+        <p:nvPr/>
+      </p:nvGrpSpPr>
+      <p:grpSpPr>
+        <a:xfrm>
+          <a:off x="0" y="0"/>
+          <a:ext cx="0" cy="0"/>
+          <a:chOff x="0" y="0"/>
+          <a:chExt cx="0" cy="0"/>
+        </a:xfrm>
+      </p:grpSpPr>
+      <p:pic>
+        <p:nvPicPr>
+          <p:cNvPr id="3" name="Picture 2">
+            <a:extLst>
+              <a:ext uri="{FF2B5EF4-FFF2-40B4-BE49-F238E27FC236}">
+                <a16:creationId xmlns:a16="http://schemas.microsoft.com/office/drawing/2014/main" id="{61857965-A62C-C474-00CA-05E5DCC68085}"/>
+              </a:ext>
+            </a:extLst>
+          </p:cNvPr>
+          <p:cNvPicPr>
+            <a:picLocks noChangeAspect="1"/>
+          </p:cNvPicPr>
+          <p:nvPr/>
+        </p:nvPicPr>
+        <p:blipFill>
+          <a:blip r:embed="rId2"/>
+          <a:stretch>
+            <a:fillRect/>
+          </a:stretch>
+        </p:blipFill>
+        <p:spPr>
+          <a:xfrm>
+            <a:off x="3424237" y="42862"/>
+            <a:ext cx="5343525" cy="6772275"/>
+          </a:xfrm>
+          <a:prstGeom prst="rect">
+            <a:avLst/>
+          </a:prstGeom>
+        </p:spPr>
+      </p:pic>
+    </p:spTree>
+    <p:extLst>
+      <p:ext uri="{BB962C8B-B14F-4D97-AF65-F5344CB8AC3E}">
+        <p14:creationId xmlns:p14="http://schemas.microsoft.com/office/powerpoint/2010/main" val="1446930707"/>
+      </p:ext>
+    </p:extLst>
+  </p:cSld>
+  <p:clrMapOvr>
+    <a:masterClrMapping/>
+  </p:clrMapOvr>
+</p:sld>
+</file>
+
 <file path=ppt/slides/slide3.xml><?xml version="1.0" encoding="utf-8"?>
 <p:sld xmlns:a="http://schemas.openxmlformats.org/drawingml/2006/main" xmlns:r="http://schemas.openxmlformats.org/officeDocument/2006/relationships" xmlns:p="http://schemas.openxmlformats.org/presentationml/2006/main">
   <p:cSld>
